--- a/media/NI-GEN-4.pptx
+++ b/media/NI-GEN-4.pptx
@@ -5,7 +5,7 @@
     <p:sldMasterId id="2147483648" r:id="rId1"/>
   </p:sldMasterIdLst>
   <p:notesMasterIdLst>
-    <p:notesMasterId r:id="rId54"/>
+    <p:notesMasterId r:id="rId52"/>
   </p:notesMasterIdLst>
   <p:sldIdLst>
     <p:sldId id="326" r:id="rId2"/>
@@ -31,35 +31,33 @@
     <p:sldId id="626" r:id="rId22"/>
     <p:sldId id="627" r:id="rId23"/>
     <p:sldId id="628" r:id="rId24"/>
-    <p:sldId id="430" r:id="rId25"/>
+    <p:sldId id="630" r:id="rId25"/>
     <p:sldId id="629" r:id="rId26"/>
-    <p:sldId id="630" r:id="rId27"/>
-    <p:sldId id="631" r:id="rId28"/>
-    <p:sldId id="632" r:id="rId29"/>
-    <p:sldId id="633" r:id="rId30"/>
-    <p:sldId id="634" r:id="rId31"/>
-    <p:sldId id="635" r:id="rId32"/>
-    <p:sldId id="636" r:id="rId33"/>
-    <p:sldId id="637" r:id="rId34"/>
-    <p:sldId id="638" r:id="rId35"/>
-    <p:sldId id="639" r:id="rId36"/>
-    <p:sldId id="640" r:id="rId37"/>
-    <p:sldId id="643" r:id="rId38"/>
-    <p:sldId id="641" r:id="rId39"/>
-    <p:sldId id="644" r:id="rId40"/>
-    <p:sldId id="645" r:id="rId41"/>
-    <p:sldId id="646" r:id="rId42"/>
-    <p:sldId id="647" r:id="rId43"/>
-    <p:sldId id="648" r:id="rId44"/>
-    <p:sldId id="649" r:id="rId45"/>
-    <p:sldId id="650" r:id="rId46"/>
-    <p:sldId id="651" r:id="rId47"/>
-    <p:sldId id="652" r:id="rId48"/>
-    <p:sldId id="653" r:id="rId49"/>
-    <p:sldId id="655" r:id="rId50"/>
-    <p:sldId id="654" r:id="rId51"/>
-    <p:sldId id="431" r:id="rId52"/>
-    <p:sldId id="422" r:id="rId53"/>
+    <p:sldId id="631" r:id="rId27"/>
+    <p:sldId id="632" r:id="rId28"/>
+    <p:sldId id="633" r:id="rId29"/>
+    <p:sldId id="634" r:id="rId30"/>
+    <p:sldId id="635" r:id="rId31"/>
+    <p:sldId id="636" r:id="rId32"/>
+    <p:sldId id="640" r:id="rId33"/>
+    <p:sldId id="638" r:id="rId34"/>
+    <p:sldId id="639" r:id="rId35"/>
+    <p:sldId id="643" r:id="rId36"/>
+    <p:sldId id="641" r:id="rId37"/>
+    <p:sldId id="644" r:id="rId38"/>
+    <p:sldId id="645" r:id="rId39"/>
+    <p:sldId id="646" r:id="rId40"/>
+    <p:sldId id="647" r:id="rId41"/>
+    <p:sldId id="648" r:id="rId42"/>
+    <p:sldId id="649" r:id="rId43"/>
+    <p:sldId id="650" r:id="rId44"/>
+    <p:sldId id="651" r:id="rId45"/>
+    <p:sldId id="652" r:id="rId46"/>
+    <p:sldId id="653" r:id="rId47"/>
+    <p:sldId id="655" r:id="rId48"/>
+    <p:sldId id="654" r:id="rId49"/>
+    <p:sldId id="431" r:id="rId50"/>
+    <p:sldId id="422" r:id="rId51"/>
   </p:sldIdLst>
   <p:sldSz cx="12192000" cy="6858000"/>
   <p:notesSz cx="6858000" cy="9144000"/>
@@ -248,7 +246,7 @@
           <a:p>
             <a:fld id="{30F61A09-C243-4AF9-8E89-AFF8EF129A8C}" type="datetimeFigureOut">
               <a:rPr lang="en-GB" smtClean="0"/>
-              <a:t>22/03/2021</a:t>
+              <a:t>13/03/2023</a:t>
             </a:fld>
             <a:endParaRPr lang="en-GB"/>
           </a:p>
@@ -1146,7 +1144,7 @@
           <a:p>
             <a:fld id="{3167A54B-BC64-4F06-9E03-64B6A67018EB}" type="datetimeFigureOut">
               <a:rPr lang="en-GB" smtClean="0"/>
-              <a:t>22/03/2021</a:t>
+              <a:t>13/03/2023</a:t>
             </a:fld>
             <a:endParaRPr lang="en-GB"/>
           </a:p>
@@ -1346,7 +1344,7 @@
           <a:p>
             <a:fld id="{3167A54B-BC64-4F06-9E03-64B6A67018EB}" type="datetimeFigureOut">
               <a:rPr lang="en-GB" smtClean="0"/>
-              <a:t>22/03/2021</a:t>
+              <a:t>13/03/2023</a:t>
             </a:fld>
             <a:endParaRPr lang="en-GB"/>
           </a:p>
@@ -1556,7 +1554,7 @@
           <a:p>
             <a:fld id="{3167A54B-BC64-4F06-9E03-64B6A67018EB}" type="datetimeFigureOut">
               <a:rPr lang="en-GB" smtClean="0"/>
-              <a:t>22/03/2021</a:t>
+              <a:t>13/03/2023</a:t>
             </a:fld>
             <a:endParaRPr lang="en-GB"/>
           </a:p>
@@ -1760,7 +1758,7 @@
           <a:p>
             <a:fld id="{3167A54B-BC64-4F06-9E03-64B6A67018EB}" type="datetimeFigureOut">
               <a:rPr lang="en-GB" smtClean="0"/>
-              <a:t>22/03/2021</a:t>
+              <a:t>13/03/2023</a:t>
             </a:fld>
             <a:endParaRPr lang="en-GB"/>
           </a:p>
@@ -2036,7 +2034,7 @@
           <a:p>
             <a:fld id="{3167A54B-BC64-4F06-9E03-64B6A67018EB}" type="datetimeFigureOut">
               <a:rPr lang="en-GB" smtClean="0"/>
-              <a:t>22/03/2021</a:t>
+              <a:t>13/03/2023</a:t>
             </a:fld>
             <a:endParaRPr lang="en-GB"/>
           </a:p>
@@ -2304,7 +2302,7 @@
           <a:p>
             <a:fld id="{3167A54B-BC64-4F06-9E03-64B6A67018EB}" type="datetimeFigureOut">
               <a:rPr lang="en-GB" smtClean="0"/>
-              <a:t>22/03/2021</a:t>
+              <a:t>13/03/2023</a:t>
             </a:fld>
             <a:endParaRPr lang="en-GB"/>
           </a:p>
@@ -2719,7 +2717,7 @@
           <a:p>
             <a:fld id="{3167A54B-BC64-4F06-9E03-64B6A67018EB}" type="datetimeFigureOut">
               <a:rPr lang="en-GB" smtClean="0"/>
-              <a:t>22/03/2021</a:t>
+              <a:t>13/03/2023</a:t>
             </a:fld>
             <a:endParaRPr lang="en-GB"/>
           </a:p>
@@ -2861,7 +2859,7 @@
           <a:p>
             <a:fld id="{3167A54B-BC64-4F06-9E03-64B6A67018EB}" type="datetimeFigureOut">
               <a:rPr lang="en-GB" smtClean="0"/>
-              <a:t>22/03/2021</a:t>
+              <a:t>13/03/2023</a:t>
             </a:fld>
             <a:endParaRPr lang="en-GB"/>
           </a:p>
@@ -2974,7 +2972,7 @@
           <a:p>
             <a:fld id="{3167A54B-BC64-4F06-9E03-64B6A67018EB}" type="datetimeFigureOut">
               <a:rPr lang="en-GB" smtClean="0"/>
-              <a:t>22/03/2021</a:t>
+              <a:t>13/03/2023</a:t>
             </a:fld>
             <a:endParaRPr lang="en-GB"/>
           </a:p>
@@ -3287,7 +3285,7 @@
           <a:p>
             <a:fld id="{3167A54B-BC64-4F06-9E03-64B6A67018EB}" type="datetimeFigureOut">
               <a:rPr lang="en-GB" smtClean="0"/>
-              <a:t>22/03/2021</a:t>
+              <a:t>13/03/2023</a:t>
             </a:fld>
             <a:endParaRPr lang="en-GB"/>
           </a:p>
@@ -3576,7 +3574,7 @@
           <a:p>
             <a:fld id="{3167A54B-BC64-4F06-9E03-64B6A67018EB}" type="datetimeFigureOut">
               <a:rPr lang="en-GB" smtClean="0"/>
-              <a:t>22/03/2021</a:t>
+              <a:t>13/03/2023</a:t>
             </a:fld>
             <a:endParaRPr lang="en-GB"/>
           </a:p>
@@ -3819,7 +3817,7 @@
           <a:p>
             <a:fld id="{3167A54B-BC64-4F06-9E03-64B6A67018EB}" type="datetimeFigureOut">
               <a:rPr lang="en-GB" smtClean="0"/>
-              <a:t>22/03/2021</a:t>
+              <a:t>13/03/2023</a:t>
             </a:fld>
             <a:endParaRPr lang="en-GB"/>
           </a:p>
@@ -4220,7 +4218,7 @@
 </file>
 
 <file path=ppt/slides/slide1.xml><?xml version="1.0" encoding="utf-8"?>
-<p:sld xmlns:a="http://schemas.openxmlformats.org/drawingml/2006/main" xmlns:r="http://schemas.openxmlformats.org/officeDocument/2006/relationships" xmlns:p="http://schemas.openxmlformats.org/presentationml/2006/main" show="0">
+<p:sld xmlns:a="http://schemas.openxmlformats.org/drawingml/2006/main" xmlns:r="http://schemas.openxmlformats.org/officeDocument/2006/relationships" xmlns:p="http://schemas.openxmlformats.org/presentationml/2006/main">
   <p:cSld>
     <p:spTree>
       <p:nvGrpSpPr>
@@ -4332,13 +4330,13 @@
   <p:clrMapOvr>
     <a:masterClrMapping/>
   </p:clrMapOvr>
-  <mc:AlternateContent xmlns:mc="http://schemas.openxmlformats.org/markup-compatibility/2006" xmlns:p159="http://schemas.microsoft.com/office/powerpoint/2015/09/main">
-    <mc:Choice Requires="p159">
+  <mc:AlternateContent xmlns:mc="http://schemas.openxmlformats.org/markup-compatibility/2006">
+    <mc:Choice xmlns:p159="http://schemas.microsoft.com/office/powerpoint/2015/09/main" Requires="p159">
       <p:transition xmlns:p14="http://schemas.microsoft.com/office/powerpoint/2010/main" spd="slow" p14:dur="2000">
         <p159:morph option="byObject"/>
       </p:transition>
     </mc:Choice>
-    <mc:Fallback xmlns="">
+    <mc:Fallback>
       <p:transition spd="slow">
         <p:fade/>
       </p:transition>
@@ -7373,6 +7371,15 @@
           </a:p>
           <a:p>
             <a:pPr lvl="1"/>
+            <a:r>
+              <a:rPr lang="en-US" dirty="0"/>
+              <a:t>encodes reaching definitions automatically</a:t>
+            </a:r>
+          </a:p>
+          <a:p>
+            <a:endParaRPr lang="en-US" dirty="0"/>
+          </a:p>
+          <a:p>
             <a:endParaRPr lang="en-US" dirty="0"/>
           </a:p>
         </p:txBody>
@@ -7380,7 +7387,7 @@
     </p:spTree>
     <p:extLst>
       <p:ext uri="{BB962C8B-B14F-4D97-AF65-F5344CB8AC3E}">
-        <p14:creationId xmlns:p14="http://schemas.microsoft.com/office/powerpoint/2010/main" val="4192316763"/>
+        <p14:creationId xmlns:p14="http://schemas.microsoft.com/office/powerpoint/2010/main" val="2317694077"/>
       </p:ext>
     </p:extLst>
   </p:cSld>
@@ -7567,7 +7574,7 @@
           <p:cNvPr id="2" name="Title 1">
             <a:extLst>
               <a:ext uri="{FF2B5EF4-FFF2-40B4-BE49-F238E27FC236}">
-                <a16:creationId xmlns:a16="http://schemas.microsoft.com/office/drawing/2014/main" id="{E9692066-8409-4708-BD34-90B49DBE0C76}"/>
+                <a16:creationId xmlns:a16="http://schemas.microsoft.com/office/drawing/2014/main" id="{367A9059-F4A1-4034-881A-8BB548F22AFD}"/>
               </a:ext>
             </a:extLst>
           </p:cNvPr>
@@ -7584,8 +7591,11 @@
           <a:lstStyle/>
           <a:p>
             <a:r>
-              <a:rPr lang="en-US" dirty="0"/>
-              <a:t>SSA</a:t>
+              <a:rPr lang="en-US" dirty="0">
+                <a:latin typeface="Iosevka NF" panose="02000509000000000000" pitchFamily="49" charset="0"/>
+                <a:ea typeface="Iosevka NF" panose="02000509000000000000" pitchFamily="49" charset="0"/>
+              </a:rPr>
+              <a:t>if (a) b = 6; else b = 7;</a:t>
             </a:r>
           </a:p>
         </p:txBody>
@@ -7595,7 +7605,7 @@
           <p:cNvPr id="3" name="Content Placeholder 2">
             <a:extLst>
               <a:ext uri="{FF2B5EF4-FFF2-40B4-BE49-F238E27FC236}">
-                <a16:creationId xmlns:a16="http://schemas.microsoft.com/office/drawing/2014/main" id="{B5E9E001-F241-429B-9309-BC3C17DF1ACA}"/>
+                <a16:creationId xmlns:a16="http://schemas.microsoft.com/office/drawing/2014/main" id="{1AFA2064-7557-41B4-93C3-0671A3BEED3D}"/>
               </a:ext>
             </a:extLst>
           </p:cNvPr>
@@ -7606,50 +7616,105 @@
             <p:ph idx="1"/>
           </p:nvPr>
         </p:nvSpPr>
-        <p:spPr/>
-        <p:txBody>
-          <a:bodyPr/>
-          <a:lstStyle/>
-          <a:p>
-            <a:r>
-              <a:rPr lang="en-US" dirty="0"/>
-              <a:t>property of representation, such as 3AC, where each address is assigned only once and before any use</a:t>
-            </a:r>
-          </a:p>
-          <a:p>
-            <a:endParaRPr lang="en-US" dirty="0"/>
-          </a:p>
-          <a:p>
-            <a:r>
-              <a:rPr lang="en-US" dirty="0"/>
-              <a:t>really good for many optimizations</a:t>
-            </a:r>
-          </a:p>
-          <a:p>
-            <a:pPr lvl="1"/>
-            <a:r>
-              <a:rPr lang="en-US" dirty="0"/>
-              <a:t>faster analysis algorithms</a:t>
-            </a:r>
-          </a:p>
-          <a:p>
-            <a:pPr lvl="1"/>
-            <a:r>
-              <a:rPr lang="en-US" dirty="0"/>
-              <a:t>simpler code movement</a:t>
-            </a:r>
-          </a:p>
-          <a:p>
-            <a:pPr lvl="1"/>
-            <a:r>
-              <a:rPr lang="en-US" dirty="0"/>
-              <a:t>encodes reaching definitions automatically</a:t>
-            </a:r>
-          </a:p>
-          <a:p>
-            <a:endParaRPr lang="en-US" dirty="0"/>
-          </a:p>
-          <a:p>
+        <p:spPr>
+          <a:xfrm>
+            <a:off x="838200" y="1690688"/>
+            <a:ext cx="10515600" cy="5167312"/>
+          </a:xfrm>
+        </p:spPr>
+        <p:txBody>
+          <a:bodyPr>
+            <a:normAutofit/>
+          </a:bodyPr>
+          <a:lstStyle/>
+          <a:p>
+            <a:pPr marL="0" indent="0">
+              <a:buNone/>
+            </a:pPr>
+            <a:r>
+              <a:rPr lang="en-US" dirty="0">
+                <a:latin typeface="Iosevka NF" panose="02000509000000000000" pitchFamily="49" charset="0"/>
+                <a:ea typeface="Iosevka NF" panose="02000509000000000000" pitchFamily="49" charset="0"/>
+              </a:rPr>
+              <a:t>    CMP a</a:t>
+            </a:r>
+          </a:p>
+          <a:p>
+            <a:pPr marL="0" indent="0">
+              <a:buNone/>
+            </a:pPr>
+            <a:r>
+              <a:rPr lang="en-US" dirty="0">
+                <a:latin typeface="Iosevka NF" panose="02000509000000000000" pitchFamily="49" charset="0"/>
+                <a:ea typeface="Iosevka NF" panose="02000509000000000000" pitchFamily="49" charset="0"/>
+              </a:rPr>
+              <a:t>    IF_TRUE l1 l2</a:t>
+            </a:r>
+          </a:p>
+          <a:p>
+            <a:pPr marL="0" indent="0">
+              <a:buNone/>
+            </a:pPr>
+            <a:r>
+              <a:rPr lang="en-US" dirty="0">
+                <a:latin typeface="Iosevka NF" panose="02000509000000000000" pitchFamily="49" charset="0"/>
+                <a:ea typeface="Iosevka NF" panose="02000509000000000000" pitchFamily="49" charset="0"/>
+              </a:rPr>
+              <a:t>l1: b = 6</a:t>
+            </a:r>
+          </a:p>
+          <a:p>
+            <a:pPr marL="0" indent="0">
+              <a:buNone/>
+            </a:pPr>
+            <a:r>
+              <a:rPr lang="en-US" dirty="0">
+                <a:latin typeface="Iosevka NF" panose="02000509000000000000" pitchFamily="49" charset="0"/>
+                <a:ea typeface="Iosevka NF" panose="02000509000000000000" pitchFamily="49" charset="0"/>
+              </a:rPr>
+              <a:t>    JMP l3</a:t>
+            </a:r>
+          </a:p>
+          <a:p>
+            <a:pPr marL="0" indent="0">
+              <a:buNone/>
+            </a:pPr>
+            <a:r>
+              <a:rPr lang="en-US" dirty="0">
+                <a:latin typeface="Iosevka NF" panose="02000509000000000000" pitchFamily="49" charset="0"/>
+                <a:ea typeface="Iosevka NF" panose="02000509000000000000" pitchFamily="49" charset="0"/>
+              </a:rPr>
+              <a:t>l2: b = 7</a:t>
+            </a:r>
+          </a:p>
+          <a:p>
+            <a:pPr marL="0" indent="0">
+              <a:buNone/>
+            </a:pPr>
+            <a:r>
+              <a:rPr lang="en-US" dirty="0">
+                <a:latin typeface="Iosevka NF" panose="02000509000000000000" pitchFamily="49" charset="0"/>
+                <a:ea typeface="Iosevka NF" panose="02000509000000000000" pitchFamily="49" charset="0"/>
+              </a:rPr>
+              <a:t>    JMP l3</a:t>
+            </a:r>
+          </a:p>
+          <a:p>
+            <a:pPr marL="0" indent="0">
+              <a:buNone/>
+            </a:pPr>
+            <a:r>
+              <a:rPr lang="en-US" dirty="0">
+                <a:latin typeface="Iosevka NF" panose="02000509000000000000" pitchFamily="49" charset="0"/>
+                <a:ea typeface="Iosevka NF" panose="02000509000000000000" pitchFamily="49" charset="0"/>
+              </a:rPr>
+              <a:t>l3:</a:t>
+            </a:r>
+          </a:p>
+          <a:p>
+            <a:pPr marL="0" indent="0">
+              <a:buNone/>
+            </a:pPr>
             <a:endParaRPr lang="en-US" dirty="0"/>
           </a:p>
         </p:txBody>
@@ -7657,7 +7722,7 @@
     </p:spTree>
     <p:extLst>
       <p:ext uri="{BB962C8B-B14F-4D97-AF65-F5344CB8AC3E}">
-        <p14:creationId xmlns:p14="http://schemas.microsoft.com/office/powerpoint/2010/main" val="2317694077"/>
+        <p14:creationId xmlns:p14="http://schemas.microsoft.com/office/powerpoint/2010/main" val="563383279"/>
       </p:ext>
     </p:extLst>
   </p:cSld>
@@ -7722,7 +7787,35 @@
                 <a:latin typeface="Iosevka NF" panose="02000509000000000000" pitchFamily="49" charset="0"/>
                 <a:ea typeface="Iosevka NF" panose="02000509000000000000" pitchFamily="49" charset="0"/>
               </a:rPr>
-              <a:t>if (a) b = 6; else b = 7;</a:t>
+              <a:t>if (a) b</a:t>
+            </a:r>
+            <a:r>
+              <a:rPr lang="en-US" baseline="-25000" dirty="0">
+                <a:latin typeface="Iosevka NF" panose="02000509000000000000" pitchFamily="49" charset="0"/>
+                <a:ea typeface="Iosevka NF" panose="02000509000000000000" pitchFamily="49" charset="0"/>
+              </a:rPr>
+              <a:t>1</a:t>
+            </a:r>
+            <a:r>
+              <a:rPr lang="en-US" dirty="0">
+                <a:latin typeface="Iosevka NF" panose="02000509000000000000" pitchFamily="49" charset="0"/>
+                <a:ea typeface="Iosevka NF" panose="02000509000000000000" pitchFamily="49" charset="0"/>
+              </a:rPr>
+              <a:t> = 6; else b</a:t>
+            </a:r>
+            <a:r>
+              <a:rPr lang="en-US" baseline="-25000" dirty="0">
+                <a:latin typeface="Iosevka NF" panose="02000509000000000000" pitchFamily="49" charset="0"/>
+                <a:ea typeface="Iosevka NF" panose="02000509000000000000" pitchFamily="49" charset="0"/>
+              </a:rPr>
+              <a:t>2</a:t>
+            </a:r>
+            <a:r>
+              <a:rPr lang="en-US" dirty="0">
+                <a:latin typeface="Iosevka NF" panose="02000509000000000000" pitchFamily="49" charset="0"/>
+                <a:ea typeface="Iosevka NF" panose="02000509000000000000" pitchFamily="49" charset="0"/>
+              </a:rPr>
+              <a:t> = 7;</a:t>
             </a:r>
           </a:p>
         </p:txBody>
@@ -7787,7 +7880,21 @@
                 <a:latin typeface="Iosevka NF" panose="02000509000000000000" pitchFamily="49" charset="0"/>
                 <a:ea typeface="Iosevka NF" panose="02000509000000000000" pitchFamily="49" charset="0"/>
               </a:rPr>
-              <a:t>l1: b = 6</a:t>
+              <a:t>l1: b</a:t>
+            </a:r>
+            <a:r>
+              <a:rPr lang="en-US" baseline="-25000" dirty="0">
+                <a:latin typeface="Iosevka NF" panose="02000509000000000000" pitchFamily="49" charset="0"/>
+                <a:ea typeface="Iosevka NF" panose="02000509000000000000" pitchFamily="49" charset="0"/>
+              </a:rPr>
+              <a:t>1</a:t>
+            </a:r>
+            <a:r>
+              <a:rPr lang="en-US" dirty="0">
+                <a:latin typeface="Iosevka NF" panose="02000509000000000000" pitchFamily="49" charset="0"/>
+                <a:ea typeface="Iosevka NF" panose="02000509000000000000" pitchFamily="49" charset="0"/>
+              </a:rPr>
+              <a:t> = 6</a:t>
             </a:r>
           </a:p>
           <a:p>
@@ -7811,7 +7918,21 @@
                 <a:latin typeface="Iosevka NF" panose="02000509000000000000" pitchFamily="49" charset="0"/>
                 <a:ea typeface="Iosevka NF" panose="02000509000000000000" pitchFamily="49" charset="0"/>
               </a:rPr>
-              <a:t>l2: b = 7</a:t>
+              <a:t>l2: b</a:t>
+            </a:r>
+            <a:r>
+              <a:rPr lang="en-US" baseline="-25000" dirty="0">
+                <a:latin typeface="Iosevka NF" panose="02000509000000000000" pitchFamily="49" charset="0"/>
+                <a:ea typeface="Iosevka NF" panose="02000509000000000000" pitchFamily="49" charset="0"/>
+              </a:rPr>
+              <a:t>2</a:t>
+            </a:r>
+            <a:r>
+              <a:rPr lang="en-US" dirty="0">
+                <a:latin typeface="Iosevka NF" panose="02000509000000000000" pitchFamily="49" charset="0"/>
+                <a:ea typeface="Iosevka NF" panose="02000509000000000000" pitchFamily="49" charset="0"/>
+              </a:rPr>
+              <a:t> = 7</a:t>
             </a:r>
           </a:p>
           <a:p>
@@ -7849,21 +7970,21 @@
     </p:spTree>
     <p:extLst>
       <p:ext uri="{BB962C8B-B14F-4D97-AF65-F5344CB8AC3E}">
-        <p14:creationId xmlns:p14="http://schemas.microsoft.com/office/powerpoint/2010/main" val="563383279"/>
+        <p14:creationId xmlns:p14="http://schemas.microsoft.com/office/powerpoint/2010/main" val="2767519644"/>
       </p:ext>
     </p:extLst>
   </p:cSld>
   <p:clrMapOvr>
     <a:masterClrMapping/>
   </p:clrMapOvr>
-  <mc:AlternateContent xmlns:mc="http://schemas.openxmlformats.org/markup-compatibility/2006" xmlns:p159="http://schemas.microsoft.com/office/powerpoint/2015/09/main">
-    <mc:Choice Requires="p159">
-      <p:transition xmlns:p14="http://schemas.microsoft.com/office/powerpoint/2010/main" spd="slow" p14:dur="2000">
-        <p159:morph option="byObject"/>
+  <mc:AlternateContent xmlns:mc="http://schemas.openxmlformats.org/markup-compatibility/2006" xmlns:p14="http://schemas.microsoft.com/office/powerpoint/2010/main">
+    <mc:Choice Requires="p14">
+      <p:transition spd="med" p14:dur="700">
+        <p:fade/>
       </p:transition>
     </mc:Choice>
     <mc:Fallback xmlns="">
-      <p:transition spd="slow">
+      <p:transition spd="med">
         <p:fade/>
       </p:transition>
     </mc:Fallback>
@@ -7914,35 +8035,7 @@
                 <a:latin typeface="Iosevka NF" panose="02000509000000000000" pitchFamily="49" charset="0"/>
                 <a:ea typeface="Iosevka NF" panose="02000509000000000000" pitchFamily="49" charset="0"/>
               </a:rPr>
-              <a:t>if (a) b</a:t>
-            </a:r>
-            <a:r>
-              <a:rPr lang="en-US" baseline="-25000" dirty="0">
-                <a:latin typeface="Iosevka NF" panose="02000509000000000000" pitchFamily="49" charset="0"/>
-                <a:ea typeface="Iosevka NF" panose="02000509000000000000" pitchFamily="49" charset="0"/>
-              </a:rPr>
-              <a:t>1</a:t>
-            </a:r>
-            <a:r>
-              <a:rPr lang="en-US" dirty="0">
-                <a:latin typeface="Iosevka NF" panose="02000509000000000000" pitchFamily="49" charset="0"/>
-                <a:ea typeface="Iosevka NF" panose="02000509000000000000" pitchFamily="49" charset="0"/>
-              </a:rPr>
-              <a:t> = 6; else b</a:t>
-            </a:r>
-            <a:r>
-              <a:rPr lang="en-US" baseline="-25000" dirty="0">
-                <a:latin typeface="Iosevka NF" panose="02000509000000000000" pitchFamily="49" charset="0"/>
-                <a:ea typeface="Iosevka NF" panose="02000509000000000000" pitchFamily="49" charset="0"/>
-              </a:rPr>
-              <a:t>2</a:t>
-            </a:r>
-            <a:r>
-              <a:rPr lang="en-US" dirty="0">
-                <a:latin typeface="Iosevka NF" panose="02000509000000000000" pitchFamily="49" charset="0"/>
-                <a:ea typeface="Iosevka NF" panose="02000509000000000000" pitchFamily="49" charset="0"/>
-              </a:rPr>
-              <a:t> = 7;</a:t>
+              <a:t>if (a) b = 6; else b = 7; b = b + 1;</a:t>
             </a:r>
           </a:p>
         </p:txBody>
@@ -8007,21 +8100,7 @@
                 <a:latin typeface="Iosevka NF" panose="02000509000000000000" pitchFamily="49" charset="0"/>
                 <a:ea typeface="Iosevka NF" panose="02000509000000000000" pitchFamily="49" charset="0"/>
               </a:rPr>
-              <a:t>l1: b</a:t>
-            </a:r>
-            <a:r>
-              <a:rPr lang="en-US" baseline="-25000" dirty="0">
-                <a:latin typeface="Iosevka NF" panose="02000509000000000000" pitchFamily="49" charset="0"/>
-                <a:ea typeface="Iosevka NF" panose="02000509000000000000" pitchFamily="49" charset="0"/>
-              </a:rPr>
-              <a:t>1</a:t>
-            </a:r>
-            <a:r>
-              <a:rPr lang="en-US" dirty="0">
-                <a:latin typeface="Iosevka NF" panose="02000509000000000000" pitchFamily="49" charset="0"/>
-                <a:ea typeface="Iosevka NF" panose="02000509000000000000" pitchFamily="49" charset="0"/>
-              </a:rPr>
-              <a:t> = 6</a:t>
+              <a:t>l1: b = 6</a:t>
             </a:r>
           </a:p>
           <a:p>
@@ -8045,21 +8124,7 @@
                 <a:latin typeface="Iosevka NF" panose="02000509000000000000" pitchFamily="49" charset="0"/>
                 <a:ea typeface="Iosevka NF" panose="02000509000000000000" pitchFamily="49" charset="0"/>
               </a:rPr>
-              <a:t>l2: b</a:t>
-            </a:r>
-            <a:r>
-              <a:rPr lang="en-US" baseline="-25000" dirty="0">
-                <a:latin typeface="Iosevka NF" panose="02000509000000000000" pitchFamily="49" charset="0"/>
-                <a:ea typeface="Iosevka NF" panose="02000509000000000000" pitchFamily="49" charset="0"/>
-              </a:rPr>
-              <a:t>2</a:t>
-            </a:r>
-            <a:r>
-              <a:rPr lang="en-US" dirty="0">
-                <a:latin typeface="Iosevka NF" panose="02000509000000000000" pitchFamily="49" charset="0"/>
-                <a:ea typeface="Iosevka NF" panose="02000509000000000000" pitchFamily="49" charset="0"/>
-              </a:rPr>
-              <a:t> = 7</a:t>
+              <a:t>l2: b = 7</a:t>
             </a:r>
           </a:p>
           <a:p>
@@ -8083,7 +8148,7 @@
                 <a:latin typeface="Iosevka NF" panose="02000509000000000000" pitchFamily="49" charset="0"/>
                 <a:ea typeface="Iosevka NF" panose="02000509000000000000" pitchFamily="49" charset="0"/>
               </a:rPr>
-              <a:t>l3:</a:t>
+              <a:t>l3: b = b + 1</a:t>
             </a:r>
           </a:p>
           <a:p>
@@ -8097,7 +8162,7 @@
     </p:spTree>
     <p:extLst>
       <p:ext uri="{BB962C8B-B14F-4D97-AF65-F5344CB8AC3E}">
-        <p14:creationId xmlns:p14="http://schemas.microsoft.com/office/powerpoint/2010/main" val="2767519644"/>
+        <p14:creationId xmlns:p14="http://schemas.microsoft.com/office/powerpoint/2010/main" val="207194913"/>
       </p:ext>
     </p:extLst>
   </p:cSld>
@@ -8152,7 +8217,12 @@
             <p:ph type="title"/>
           </p:nvPr>
         </p:nvSpPr>
-        <p:spPr/>
+        <p:spPr>
+          <a:xfrm>
+            <a:off x="0" y="365125"/>
+            <a:ext cx="12192000" cy="1325563"/>
+          </a:xfrm>
+        </p:spPr>
         <p:txBody>
           <a:bodyPr/>
           <a:lstStyle/>
@@ -8162,7 +8232,63 @@
                 <a:latin typeface="Iosevka NF" panose="02000509000000000000" pitchFamily="49" charset="0"/>
                 <a:ea typeface="Iosevka NF" panose="02000509000000000000" pitchFamily="49" charset="0"/>
               </a:rPr>
-              <a:t>if (a) b = 6; else b = 7; b = b + 1;</a:t>
+              <a:t>if (a) b</a:t>
+            </a:r>
+            <a:r>
+              <a:rPr lang="en-US" baseline="-25000" dirty="0">
+                <a:latin typeface="Iosevka NF" panose="02000509000000000000" pitchFamily="49" charset="0"/>
+                <a:ea typeface="Iosevka NF" panose="02000509000000000000" pitchFamily="49" charset="0"/>
+              </a:rPr>
+              <a:t>1</a:t>
+            </a:r>
+            <a:r>
+              <a:rPr lang="en-US" dirty="0">
+                <a:latin typeface="Iosevka NF" panose="02000509000000000000" pitchFamily="49" charset="0"/>
+                <a:ea typeface="Iosevka NF" panose="02000509000000000000" pitchFamily="49" charset="0"/>
+              </a:rPr>
+              <a:t> = 6; else b</a:t>
+            </a:r>
+            <a:r>
+              <a:rPr lang="en-US" baseline="-25000" dirty="0">
+                <a:latin typeface="Iosevka NF" panose="02000509000000000000" pitchFamily="49" charset="0"/>
+                <a:ea typeface="Iosevka NF" panose="02000509000000000000" pitchFamily="49" charset="0"/>
+              </a:rPr>
+              <a:t>2</a:t>
+            </a:r>
+            <a:r>
+              <a:rPr lang="en-US" dirty="0">
+                <a:latin typeface="Iosevka NF" panose="02000509000000000000" pitchFamily="49" charset="0"/>
+                <a:ea typeface="Iosevka NF" panose="02000509000000000000" pitchFamily="49" charset="0"/>
+              </a:rPr>
+              <a:t> = 7; b</a:t>
+            </a:r>
+            <a:r>
+              <a:rPr lang="en-US" baseline="-25000" dirty="0">
+                <a:latin typeface="Iosevka NF" panose="02000509000000000000" pitchFamily="49" charset="0"/>
+                <a:ea typeface="Iosevka NF" panose="02000509000000000000" pitchFamily="49" charset="0"/>
+              </a:rPr>
+              <a:t>3</a:t>
+            </a:r>
+            <a:r>
+              <a:rPr lang="en-US" dirty="0">
+                <a:latin typeface="Iosevka NF" panose="02000509000000000000" pitchFamily="49" charset="0"/>
+                <a:ea typeface="Iosevka NF" panose="02000509000000000000" pitchFamily="49" charset="0"/>
+              </a:rPr>
+              <a:t> = b</a:t>
+            </a:r>
+            <a:r>
+              <a:rPr lang="en-US" baseline="-25000" dirty="0">
+                <a:latin typeface="Iosevka NF" panose="02000509000000000000" pitchFamily="49" charset="0"/>
+                <a:ea typeface="Iosevka NF" panose="02000509000000000000" pitchFamily="49" charset="0"/>
+              </a:rPr>
+              <a:t>?</a:t>
+            </a:r>
+            <a:r>
+              <a:rPr lang="en-US" dirty="0">
+                <a:latin typeface="Iosevka NF" panose="02000509000000000000" pitchFamily="49" charset="0"/>
+                <a:ea typeface="Iosevka NF" panose="02000509000000000000" pitchFamily="49" charset="0"/>
+              </a:rPr>
+              <a:t> + 1;</a:t>
             </a:r>
           </a:p>
         </p:txBody>
@@ -8227,7 +8353,21 @@
                 <a:latin typeface="Iosevka NF" panose="02000509000000000000" pitchFamily="49" charset="0"/>
                 <a:ea typeface="Iosevka NF" panose="02000509000000000000" pitchFamily="49" charset="0"/>
               </a:rPr>
-              <a:t>l1: b = 6</a:t>
+              <a:t>l1: b</a:t>
+            </a:r>
+            <a:r>
+              <a:rPr lang="en-US" baseline="-25000" dirty="0">
+                <a:latin typeface="Iosevka NF" panose="02000509000000000000" pitchFamily="49" charset="0"/>
+                <a:ea typeface="Iosevka NF" panose="02000509000000000000" pitchFamily="49" charset="0"/>
+              </a:rPr>
+              <a:t>1</a:t>
+            </a:r>
+            <a:r>
+              <a:rPr lang="en-US" dirty="0">
+                <a:latin typeface="Iosevka NF" panose="02000509000000000000" pitchFamily="49" charset="0"/>
+                <a:ea typeface="Iosevka NF" panose="02000509000000000000" pitchFamily="49" charset="0"/>
+              </a:rPr>
+              <a:t> = 6</a:t>
             </a:r>
           </a:p>
           <a:p>
@@ -8251,7 +8391,21 @@
                 <a:latin typeface="Iosevka NF" panose="02000509000000000000" pitchFamily="49" charset="0"/>
                 <a:ea typeface="Iosevka NF" panose="02000509000000000000" pitchFamily="49" charset="0"/>
               </a:rPr>
-              <a:t>l2: b = 7</a:t>
+              <a:t>l2: b</a:t>
+            </a:r>
+            <a:r>
+              <a:rPr lang="en-US" baseline="-25000" dirty="0">
+                <a:latin typeface="Iosevka NF" panose="02000509000000000000" pitchFamily="49" charset="0"/>
+                <a:ea typeface="Iosevka NF" panose="02000509000000000000" pitchFamily="49" charset="0"/>
+              </a:rPr>
+              <a:t>2</a:t>
+            </a:r>
+            <a:r>
+              <a:rPr lang="en-US" dirty="0">
+                <a:latin typeface="Iosevka NF" panose="02000509000000000000" pitchFamily="49" charset="0"/>
+                <a:ea typeface="Iosevka NF" panose="02000509000000000000" pitchFamily="49" charset="0"/>
+              </a:rPr>
+              <a:t> = 7</a:t>
             </a:r>
           </a:p>
           <a:p>
@@ -8275,7 +8429,35 @@
                 <a:latin typeface="Iosevka NF" panose="02000509000000000000" pitchFamily="49" charset="0"/>
                 <a:ea typeface="Iosevka NF" panose="02000509000000000000" pitchFamily="49" charset="0"/>
               </a:rPr>
-              <a:t>l3: b = b + 1</a:t>
+              <a:t>l3: b</a:t>
+            </a:r>
+            <a:r>
+              <a:rPr lang="en-US" baseline="-25000" dirty="0">
+                <a:latin typeface="Iosevka NF" panose="02000509000000000000" pitchFamily="49" charset="0"/>
+                <a:ea typeface="Iosevka NF" panose="02000509000000000000" pitchFamily="49" charset="0"/>
+              </a:rPr>
+              <a:t>3</a:t>
+            </a:r>
+            <a:r>
+              <a:rPr lang="en-US" dirty="0">
+                <a:latin typeface="Iosevka NF" panose="02000509000000000000" pitchFamily="49" charset="0"/>
+                <a:ea typeface="Iosevka NF" panose="02000509000000000000" pitchFamily="49" charset="0"/>
+              </a:rPr>
+              <a:t> = b</a:t>
+            </a:r>
+            <a:r>
+              <a:rPr lang="en-US" baseline="-25000" dirty="0">
+                <a:latin typeface="Iosevka NF" panose="02000509000000000000" pitchFamily="49" charset="0"/>
+                <a:ea typeface="Iosevka NF" panose="02000509000000000000" pitchFamily="49" charset="0"/>
+              </a:rPr>
+              <a:t>?</a:t>
+            </a:r>
+            <a:r>
+              <a:rPr lang="en-US" dirty="0">
+                <a:latin typeface="Iosevka NF" panose="02000509000000000000" pitchFamily="49" charset="0"/>
+                <a:ea typeface="Iosevka NF" panose="02000509000000000000" pitchFamily="49" charset="0"/>
+              </a:rPr>
+              <a:t> + 1</a:t>
             </a:r>
           </a:p>
           <a:p>
@@ -8289,7 +8471,7 @@
     </p:spTree>
     <p:extLst>
       <p:ext uri="{BB962C8B-B14F-4D97-AF65-F5344CB8AC3E}">
-        <p14:creationId xmlns:p14="http://schemas.microsoft.com/office/powerpoint/2010/main" val="207194913"/>
+        <p14:creationId xmlns:p14="http://schemas.microsoft.com/office/powerpoint/2010/main" val="3956035889"/>
       </p:ext>
     </p:extLst>
   </p:cSld>
@@ -10952,7 +11134,7 @@
                 <a:latin typeface="Iosevka NF" panose="02000509000000000000" pitchFamily="49" charset="0"/>
                 <a:ea typeface="Iosevka NF" panose="02000509000000000000" pitchFamily="49" charset="0"/>
               </a:rPr>
-              <a:t>3</a:t>
+              <a:t>4</a:t>
             </a:r>
             <a:r>
               <a:rPr lang="en-US" dirty="0">
@@ -11128,6 +11310,74 @@
                 <a:latin typeface="Iosevka NF" panose="02000509000000000000" pitchFamily="49" charset="0"/>
                 <a:ea typeface="Iosevka NF" panose="02000509000000000000" pitchFamily="49" charset="0"/>
               </a:rPr>
+              <a:t> = </a:t>
+            </a:r>
+            <a:r>
+              <a:rPr lang="el-GR" dirty="0">
+                <a:latin typeface="Iosevka NF" panose="02000509000000000000" pitchFamily="49" charset="0"/>
+                <a:ea typeface="Iosevka NF" panose="02000509000000000000" pitchFamily="49" charset="0"/>
+              </a:rPr>
+              <a:t>Φ</a:t>
+            </a:r>
+            <a:r>
+              <a:rPr lang="en-US" dirty="0">
+                <a:latin typeface="Iosevka NF" panose="02000509000000000000" pitchFamily="49" charset="0"/>
+                <a:ea typeface="Iosevka NF" panose="02000509000000000000" pitchFamily="49" charset="0"/>
+              </a:rPr>
+              <a:t>(b</a:t>
+            </a:r>
+            <a:r>
+              <a:rPr lang="en-US" baseline="-25000" dirty="0">
+                <a:latin typeface="Iosevka NF" panose="02000509000000000000" pitchFamily="49" charset="0"/>
+                <a:ea typeface="Iosevka NF" panose="02000509000000000000" pitchFamily="49" charset="0"/>
+              </a:rPr>
+              <a:t>1</a:t>
+            </a:r>
+            <a:r>
+              <a:rPr lang="en-US" dirty="0">
+                <a:latin typeface="Iosevka NF" panose="02000509000000000000" pitchFamily="49" charset="0"/>
+                <a:ea typeface="Iosevka NF" panose="02000509000000000000" pitchFamily="49" charset="0"/>
+              </a:rPr>
+              <a:t>,b</a:t>
+            </a:r>
+            <a:r>
+              <a:rPr lang="en-US" baseline="-25000" dirty="0">
+                <a:latin typeface="Iosevka NF" panose="02000509000000000000" pitchFamily="49" charset="0"/>
+                <a:ea typeface="Iosevka NF" panose="02000509000000000000" pitchFamily="49" charset="0"/>
+              </a:rPr>
+              <a:t>2</a:t>
+            </a:r>
+            <a:r>
+              <a:rPr lang="en-US" dirty="0">
+                <a:latin typeface="Iosevka NF" panose="02000509000000000000" pitchFamily="49" charset="0"/>
+                <a:ea typeface="Iosevka NF" panose="02000509000000000000" pitchFamily="49" charset="0"/>
+              </a:rPr>
+              <a:t>)</a:t>
+            </a:r>
+          </a:p>
+          <a:p>
+            <a:pPr marL="0" indent="0">
+              <a:buNone/>
+            </a:pPr>
+            <a:r>
+              <a:rPr lang="en-US" dirty="0">
+                <a:latin typeface="Iosevka NF" panose="02000509000000000000" pitchFamily="49" charset="0"/>
+                <a:ea typeface="Iosevka NF" panose="02000509000000000000" pitchFamily="49" charset="0"/>
+              </a:rPr>
+              <a:t>    b</a:t>
+            </a:r>
+            <a:r>
+              <a:rPr lang="en-US" baseline="-25000" dirty="0">
+                <a:latin typeface="Iosevka NF" panose="02000509000000000000" pitchFamily="49" charset="0"/>
+                <a:ea typeface="Iosevka NF" panose="02000509000000000000" pitchFamily="49" charset="0"/>
+              </a:rPr>
+              <a:t>4</a:t>
+            </a:r>
+            <a:r>
+              <a:rPr lang="en-US" dirty="0">
+                <a:latin typeface="Iosevka NF" panose="02000509000000000000" pitchFamily="49" charset="0"/>
+                <a:ea typeface="Iosevka NF" panose="02000509000000000000" pitchFamily="49" charset="0"/>
+              </a:rPr>
               <a:t> = b</a:t>
             </a:r>
             <a:r>
@@ -11135,7 +11385,7 @@
                 <a:latin typeface="Iosevka NF" panose="02000509000000000000" pitchFamily="49" charset="0"/>
                 <a:ea typeface="Iosevka NF" panose="02000509000000000000" pitchFamily="49" charset="0"/>
               </a:rPr>
-              <a:t>?</a:t>
+              <a:t>3</a:t>
             </a:r>
             <a:r>
               <a:rPr lang="en-US" dirty="0">
@@ -11156,7 +11406,7 @@
     </p:spTree>
     <p:extLst>
       <p:ext uri="{BB962C8B-B14F-4D97-AF65-F5344CB8AC3E}">
-        <p14:creationId xmlns:p14="http://schemas.microsoft.com/office/powerpoint/2010/main" val="3956035889"/>
+        <p14:creationId xmlns:p14="http://schemas.microsoft.com/office/powerpoint/2010/main" val="4074564810"/>
       </p:ext>
     </p:extLst>
   </p:cSld>
@@ -11200,7 +11450,7 @@
           <p:cNvPr id="2" name="Title 1">
             <a:extLst>
               <a:ext uri="{FF2B5EF4-FFF2-40B4-BE49-F238E27FC236}">
-                <a16:creationId xmlns:a16="http://schemas.microsoft.com/office/drawing/2014/main" id="{367A9059-F4A1-4034-881A-8BB548F22AFD}"/>
+                <a16:creationId xmlns:a16="http://schemas.microsoft.com/office/drawing/2014/main" id="{E942644D-6682-44DC-BAB8-8BEBF99D2D45}"/>
               </a:ext>
             </a:extLst>
           </p:cNvPr>
@@ -11211,78 +11461,18 @@
             <p:ph type="title"/>
           </p:nvPr>
         </p:nvSpPr>
-        <p:spPr>
-          <a:xfrm>
-            <a:off x="0" y="365125"/>
-            <a:ext cx="12192000" cy="1325563"/>
-          </a:xfrm>
-        </p:spPr>
+        <p:spPr/>
         <p:txBody>
           <a:bodyPr/>
           <a:lstStyle/>
           <a:p>
             <a:r>
-              <a:rPr lang="en-US" dirty="0">
-                <a:latin typeface="Iosevka NF" panose="02000509000000000000" pitchFamily="49" charset="0"/>
-                <a:ea typeface="Iosevka NF" panose="02000509000000000000" pitchFamily="49" charset="0"/>
-              </a:rPr>
-              <a:t>if (a) b</a:t>
-            </a:r>
-            <a:r>
-              <a:rPr lang="en-US" baseline="-25000" dirty="0">
-                <a:latin typeface="Iosevka NF" panose="02000509000000000000" pitchFamily="49" charset="0"/>
-                <a:ea typeface="Iosevka NF" panose="02000509000000000000" pitchFamily="49" charset="0"/>
-              </a:rPr>
-              <a:t>1</a:t>
-            </a:r>
-            <a:r>
-              <a:rPr lang="en-US" dirty="0">
-                <a:latin typeface="Iosevka NF" panose="02000509000000000000" pitchFamily="49" charset="0"/>
-                <a:ea typeface="Iosevka NF" panose="02000509000000000000" pitchFamily="49" charset="0"/>
-              </a:rPr>
-              <a:t> = 6; else b</a:t>
-            </a:r>
-            <a:r>
-              <a:rPr lang="en-US" baseline="-25000" dirty="0">
-                <a:latin typeface="Iosevka NF" panose="02000509000000000000" pitchFamily="49" charset="0"/>
-                <a:ea typeface="Iosevka NF" panose="02000509000000000000" pitchFamily="49" charset="0"/>
-              </a:rPr>
-              <a:t>2</a:t>
-            </a:r>
-            <a:r>
-              <a:rPr lang="en-US" dirty="0">
-                <a:latin typeface="Iosevka NF" panose="02000509000000000000" pitchFamily="49" charset="0"/>
-                <a:ea typeface="Iosevka NF" panose="02000509000000000000" pitchFamily="49" charset="0"/>
-              </a:rPr>
-              <a:t> = 7; b</a:t>
-            </a:r>
-            <a:r>
-              <a:rPr lang="en-US" baseline="-25000" dirty="0">
-                <a:latin typeface="Iosevka NF" panose="02000509000000000000" pitchFamily="49" charset="0"/>
-                <a:ea typeface="Iosevka NF" panose="02000509000000000000" pitchFamily="49" charset="0"/>
-              </a:rPr>
-              <a:t>4</a:t>
-            </a:r>
-            <a:r>
-              <a:rPr lang="en-US" dirty="0">
-                <a:latin typeface="Iosevka NF" panose="02000509000000000000" pitchFamily="49" charset="0"/>
-                <a:ea typeface="Iosevka NF" panose="02000509000000000000" pitchFamily="49" charset="0"/>
-              </a:rPr>
-              <a:t> = b</a:t>
-            </a:r>
-            <a:r>
-              <a:rPr lang="en-US" baseline="-25000" dirty="0">
-                <a:latin typeface="Iosevka NF" panose="02000509000000000000" pitchFamily="49" charset="0"/>
-                <a:ea typeface="Iosevka NF" panose="02000509000000000000" pitchFamily="49" charset="0"/>
-              </a:rPr>
-              <a:t>?</a:t>
-            </a:r>
-            <a:r>
-              <a:rPr lang="en-US" dirty="0">
-                <a:latin typeface="Iosevka NF" panose="02000509000000000000" pitchFamily="49" charset="0"/>
-                <a:ea typeface="Iosevka NF" panose="02000509000000000000" pitchFamily="49" charset="0"/>
-              </a:rPr>
-              <a:t> + 1;</a:t>
+              <a:rPr lang="el-GR" dirty="0"/>
+              <a:t>Φ</a:t>
+            </a:r>
+            <a:r>
+              <a:rPr lang="en-US" dirty="0"/>
+              <a:t> (Phi) Nodes</a:t>
             </a:r>
           </a:p>
         </p:txBody>
@@ -11292,7 +11482,7 @@
           <p:cNvPr id="3" name="Content Placeholder 2">
             <a:extLst>
               <a:ext uri="{FF2B5EF4-FFF2-40B4-BE49-F238E27FC236}">
-                <a16:creationId xmlns:a16="http://schemas.microsoft.com/office/drawing/2014/main" id="{1AFA2064-7557-41B4-93C3-0671A3BEED3D}"/>
+                <a16:creationId xmlns:a16="http://schemas.microsoft.com/office/drawing/2014/main" id="{721CB237-3C5D-497D-A24C-DA74AE496782}"/>
               </a:ext>
             </a:extLst>
           </p:cNvPr>
@@ -11303,229 +11493,37 @@
             <p:ph idx="1"/>
           </p:nvPr>
         </p:nvSpPr>
-        <p:spPr>
-          <a:xfrm>
-            <a:off x="838200" y="1690688"/>
-            <a:ext cx="10515600" cy="5167312"/>
-          </a:xfrm>
-        </p:spPr>
-        <p:txBody>
-          <a:bodyPr>
-            <a:normAutofit/>
-          </a:bodyPr>
-          <a:lstStyle/>
-          <a:p>
-            <a:pPr marL="0" indent="0">
-              <a:buNone/>
-            </a:pPr>
-            <a:r>
-              <a:rPr lang="en-US" dirty="0">
-                <a:latin typeface="Iosevka NF" panose="02000509000000000000" pitchFamily="49" charset="0"/>
-                <a:ea typeface="Iosevka NF" panose="02000509000000000000" pitchFamily="49" charset="0"/>
-              </a:rPr>
-              <a:t>    CMP a</a:t>
-            </a:r>
-          </a:p>
-          <a:p>
-            <a:pPr marL="0" indent="0">
-              <a:buNone/>
-            </a:pPr>
-            <a:r>
-              <a:rPr lang="en-US" dirty="0">
-                <a:latin typeface="Iosevka NF" panose="02000509000000000000" pitchFamily="49" charset="0"/>
-                <a:ea typeface="Iosevka NF" panose="02000509000000000000" pitchFamily="49" charset="0"/>
-              </a:rPr>
-              <a:t>    IF_TRUE l1 l2</a:t>
-            </a:r>
-          </a:p>
-          <a:p>
-            <a:pPr marL="0" indent="0">
-              <a:buNone/>
-            </a:pPr>
-            <a:r>
-              <a:rPr lang="en-US" dirty="0">
-                <a:latin typeface="Iosevka NF" panose="02000509000000000000" pitchFamily="49" charset="0"/>
-                <a:ea typeface="Iosevka NF" panose="02000509000000000000" pitchFamily="49" charset="0"/>
-              </a:rPr>
-              <a:t>l1: b</a:t>
-            </a:r>
-            <a:r>
-              <a:rPr lang="en-US" baseline="-25000" dirty="0">
-                <a:latin typeface="Iosevka NF" panose="02000509000000000000" pitchFamily="49" charset="0"/>
-                <a:ea typeface="Iosevka NF" panose="02000509000000000000" pitchFamily="49" charset="0"/>
-              </a:rPr>
-              <a:t>1</a:t>
-            </a:r>
-            <a:r>
-              <a:rPr lang="en-US" dirty="0">
-                <a:latin typeface="Iosevka NF" panose="02000509000000000000" pitchFamily="49" charset="0"/>
-                <a:ea typeface="Iosevka NF" panose="02000509000000000000" pitchFamily="49" charset="0"/>
-              </a:rPr>
-              <a:t> = 6</a:t>
-            </a:r>
-          </a:p>
-          <a:p>
-            <a:pPr marL="0" indent="0">
-              <a:buNone/>
-            </a:pPr>
-            <a:r>
-              <a:rPr lang="en-US" dirty="0">
-                <a:latin typeface="Iosevka NF" panose="02000509000000000000" pitchFamily="49" charset="0"/>
-                <a:ea typeface="Iosevka NF" panose="02000509000000000000" pitchFamily="49" charset="0"/>
-              </a:rPr>
-              <a:t>    JMP l3</a:t>
-            </a:r>
-          </a:p>
-          <a:p>
-            <a:pPr marL="0" indent="0">
-              <a:buNone/>
-            </a:pPr>
-            <a:r>
-              <a:rPr lang="en-US" dirty="0">
-                <a:latin typeface="Iosevka NF" panose="02000509000000000000" pitchFamily="49" charset="0"/>
-                <a:ea typeface="Iosevka NF" panose="02000509000000000000" pitchFamily="49" charset="0"/>
-              </a:rPr>
-              <a:t>l2: b</a:t>
-            </a:r>
-            <a:r>
-              <a:rPr lang="en-US" baseline="-25000" dirty="0">
-                <a:latin typeface="Iosevka NF" panose="02000509000000000000" pitchFamily="49" charset="0"/>
-                <a:ea typeface="Iosevka NF" panose="02000509000000000000" pitchFamily="49" charset="0"/>
-              </a:rPr>
-              <a:t>2</a:t>
-            </a:r>
-            <a:r>
-              <a:rPr lang="en-US" dirty="0">
-                <a:latin typeface="Iosevka NF" panose="02000509000000000000" pitchFamily="49" charset="0"/>
-                <a:ea typeface="Iosevka NF" panose="02000509000000000000" pitchFamily="49" charset="0"/>
-              </a:rPr>
-              <a:t> = 7</a:t>
-            </a:r>
-          </a:p>
-          <a:p>
-            <a:pPr marL="0" indent="0">
-              <a:buNone/>
-            </a:pPr>
-            <a:r>
-              <a:rPr lang="en-US" dirty="0">
-                <a:latin typeface="Iosevka NF" panose="02000509000000000000" pitchFamily="49" charset="0"/>
-                <a:ea typeface="Iosevka NF" panose="02000509000000000000" pitchFamily="49" charset="0"/>
-              </a:rPr>
-              <a:t>    JMP l3</a:t>
-            </a:r>
-          </a:p>
-          <a:p>
-            <a:pPr marL="0" indent="0">
-              <a:buNone/>
-            </a:pPr>
-            <a:r>
-              <a:rPr lang="en-US" dirty="0">
-                <a:latin typeface="Iosevka NF" panose="02000509000000000000" pitchFamily="49" charset="0"/>
-                <a:ea typeface="Iosevka NF" panose="02000509000000000000" pitchFamily="49" charset="0"/>
-              </a:rPr>
-              <a:t>l3: b</a:t>
-            </a:r>
-            <a:r>
-              <a:rPr lang="en-US" baseline="-25000" dirty="0">
-                <a:latin typeface="Iosevka NF" panose="02000509000000000000" pitchFamily="49" charset="0"/>
-                <a:ea typeface="Iosevka NF" panose="02000509000000000000" pitchFamily="49" charset="0"/>
-              </a:rPr>
-              <a:t>3</a:t>
-            </a:r>
-            <a:r>
-              <a:rPr lang="en-US" dirty="0">
-                <a:latin typeface="Iosevka NF" panose="02000509000000000000" pitchFamily="49" charset="0"/>
-                <a:ea typeface="Iosevka NF" panose="02000509000000000000" pitchFamily="49" charset="0"/>
-              </a:rPr>
-              <a:t> = </a:t>
-            </a:r>
-            <a:r>
-              <a:rPr lang="el-GR" dirty="0">
-                <a:latin typeface="Iosevka NF" panose="02000509000000000000" pitchFamily="49" charset="0"/>
-                <a:ea typeface="Iosevka NF" panose="02000509000000000000" pitchFamily="49" charset="0"/>
-              </a:rPr>
-              <a:t>Φ</a:t>
-            </a:r>
-            <a:r>
-              <a:rPr lang="en-US" dirty="0">
-                <a:latin typeface="Iosevka NF" panose="02000509000000000000" pitchFamily="49" charset="0"/>
-                <a:ea typeface="Iosevka NF" panose="02000509000000000000" pitchFamily="49" charset="0"/>
-              </a:rPr>
-              <a:t>(b</a:t>
-            </a:r>
-            <a:r>
-              <a:rPr lang="en-US" baseline="-25000" dirty="0">
-                <a:latin typeface="Iosevka NF" panose="02000509000000000000" pitchFamily="49" charset="0"/>
-                <a:ea typeface="Iosevka NF" panose="02000509000000000000" pitchFamily="49" charset="0"/>
-              </a:rPr>
-              <a:t>1</a:t>
-            </a:r>
-            <a:r>
-              <a:rPr lang="en-US" dirty="0">
-                <a:latin typeface="Iosevka NF" panose="02000509000000000000" pitchFamily="49" charset="0"/>
-                <a:ea typeface="Iosevka NF" panose="02000509000000000000" pitchFamily="49" charset="0"/>
-              </a:rPr>
-              <a:t>,b</a:t>
-            </a:r>
-            <a:r>
-              <a:rPr lang="en-US" baseline="-25000" dirty="0">
-                <a:latin typeface="Iosevka NF" panose="02000509000000000000" pitchFamily="49" charset="0"/>
-                <a:ea typeface="Iosevka NF" panose="02000509000000000000" pitchFamily="49" charset="0"/>
-              </a:rPr>
-              <a:t>2</a:t>
-            </a:r>
-            <a:r>
-              <a:rPr lang="en-US" dirty="0">
-                <a:latin typeface="Iosevka NF" panose="02000509000000000000" pitchFamily="49" charset="0"/>
-                <a:ea typeface="Iosevka NF" panose="02000509000000000000" pitchFamily="49" charset="0"/>
-              </a:rPr>
-              <a:t>)</a:t>
-            </a:r>
-          </a:p>
-          <a:p>
-            <a:pPr marL="0" indent="0">
-              <a:buNone/>
-            </a:pPr>
-            <a:r>
-              <a:rPr lang="en-US" dirty="0">
-                <a:latin typeface="Iosevka NF" panose="02000509000000000000" pitchFamily="49" charset="0"/>
-                <a:ea typeface="Iosevka NF" panose="02000509000000000000" pitchFamily="49" charset="0"/>
-              </a:rPr>
-              <a:t>    b</a:t>
-            </a:r>
-            <a:r>
-              <a:rPr lang="en-US" baseline="-25000" dirty="0">
-                <a:latin typeface="Iosevka NF" panose="02000509000000000000" pitchFamily="49" charset="0"/>
-                <a:ea typeface="Iosevka NF" panose="02000509000000000000" pitchFamily="49" charset="0"/>
-              </a:rPr>
-              <a:t>4</a:t>
-            </a:r>
-            <a:r>
-              <a:rPr lang="en-US" dirty="0">
-                <a:latin typeface="Iosevka NF" panose="02000509000000000000" pitchFamily="49" charset="0"/>
-                <a:ea typeface="Iosevka NF" panose="02000509000000000000" pitchFamily="49" charset="0"/>
-              </a:rPr>
-              <a:t> = b</a:t>
-            </a:r>
-            <a:r>
-              <a:rPr lang="en-US" baseline="-25000" dirty="0">
-                <a:latin typeface="Iosevka NF" panose="02000509000000000000" pitchFamily="49" charset="0"/>
-                <a:ea typeface="Iosevka NF" panose="02000509000000000000" pitchFamily="49" charset="0"/>
-              </a:rPr>
-              <a:t>3</a:t>
-            </a:r>
-            <a:r>
-              <a:rPr lang="en-US" dirty="0">
-                <a:latin typeface="Iosevka NF" panose="02000509000000000000" pitchFamily="49" charset="0"/>
-                <a:ea typeface="Iosevka NF" panose="02000509000000000000" pitchFamily="49" charset="0"/>
-              </a:rPr>
-              <a:t> + 1</a:t>
-            </a:r>
-          </a:p>
-          <a:p>
-            <a:pPr marL="0" indent="0">
-              <a:buNone/>
-            </a:pPr>
+        <p:spPr/>
+        <p:txBody>
+          <a:bodyPr/>
+          <a:lstStyle/>
+          <a:p>
+            <a:r>
+              <a:rPr lang="en-US" dirty="0"/>
+              <a:t>chooses the correct previous value based on where control flow came from</a:t>
+            </a:r>
+          </a:p>
+          <a:p>
+            <a:endParaRPr lang="en-US" dirty="0"/>
+          </a:p>
+          <a:p>
+            <a:r>
+              <a:rPr lang="en-US" dirty="0"/>
+              <a:t>pseudo-instruction with no runtime counterpart</a:t>
+            </a:r>
+          </a:p>
+          <a:p>
+            <a:pPr lvl="1"/>
+            <a:r>
+              <a:rPr lang="en-US" dirty="0"/>
+              <a:t>when executed, all Bs share are one variable and the control flow taken modifies the value alone</a:t>
+            </a:r>
+          </a:p>
+          <a:p>
+            <a:pPr lvl="1"/>
+            <a:endParaRPr lang="en-US" dirty="0"/>
+          </a:p>
+          <a:p>
             <a:endParaRPr lang="en-US" dirty="0"/>
           </a:p>
         </p:txBody>
@@ -11533,21 +11531,21 @@
     </p:spTree>
     <p:extLst>
       <p:ext uri="{BB962C8B-B14F-4D97-AF65-F5344CB8AC3E}">
-        <p14:creationId xmlns:p14="http://schemas.microsoft.com/office/powerpoint/2010/main" val="4074564810"/>
+        <p14:creationId xmlns:p14="http://schemas.microsoft.com/office/powerpoint/2010/main" val="4213744640"/>
       </p:ext>
     </p:extLst>
   </p:cSld>
   <p:clrMapOvr>
     <a:masterClrMapping/>
   </p:clrMapOvr>
-  <mc:AlternateContent xmlns:mc="http://schemas.openxmlformats.org/markup-compatibility/2006" xmlns:p14="http://schemas.microsoft.com/office/powerpoint/2010/main">
-    <mc:Choice Requires="p14">
-      <p:transition spd="med" p14:dur="700">
-        <p:fade/>
+  <mc:AlternateContent xmlns:mc="http://schemas.openxmlformats.org/markup-compatibility/2006" xmlns:p159="http://schemas.microsoft.com/office/powerpoint/2015/09/main">
+    <mc:Choice Requires="p159">
+      <p:transition xmlns:p14="http://schemas.microsoft.com/office/powerpoint/2010/main" spd="slow" p14:dur="2000">
+        <p159:morph option="byObject"/>
       </p:transition>
     </mc:Choice>
     <mc:Fallback xmlns="">
-      <p:transition spd="med">
+      <p:transition spd="slow">
         <p:fade/>
       </p:transition>
     </mc:Fallback>
@@ -11577,7 +11575,7 @@
           <p:cNvPr id="2" name="Title 1">
             <a:extLst>
               <a:ext uri="{FF2B5EF4-FFF2-40B4-BE49-F238E27FC236}">
-                <a16:creationId xmlns:a16="http://schemas.microsoft.com/office/drawing/2014/main" id="{E942644D-6682-44DC-BAB8-8BEBF99D2D45}"/>
+                <a16:creationId xmlns:a16="http://schemas.microsoft.com/office/drawing/2014/main" id="{AAA73C58-FEBE-4BFC-AFF7-E12AC2049A4E}"/>
               </a:ext>
             </a:extLst>
           </p:cNvPr>
@@ -11594,12 +11592,8 @@
           <a:lstStyle/>
           <a:p>
             <a:r>
-              <a:rPr lang="el-GR" dirty="0"/>
-              <a:t>Φ</a:t>
-            </a:r>
-            <a:r>
               <a:rPr lang="en-US" dirty="0"/>
-              <a:t> (Phi) Nodes</a:t>
+              <a:t>Converting to SSA</a:t>
             </a:r>
           </a:p>
         </p:txBody>
@@ -11609,7 +11603,7 @@
           <p:cNvPr id="3" name="Content Placeholder 2">
             <a:extLst>
               <a:ext uri="{FF2B5EF4-FFF2-40B4-BE49-F238E27FC236}">
-                <a16:creationId xmlns:a16="http://schemas.microsoft.com/office/drawing/2014/main" id="{721CB237-3C5D-497D-A24C-DA74AE496782}"/>
+                <a16:creationId xmlns:a16="http://schemas.microsoft.com/office/drawing/2014/main" id="{1A40BD99-8AE7-4193-8729-37082874A024}"/>
               </a:ext>
             </a:extLst>
           </p:cNvPr>
@@ -11627,35 +11621,59 @@
           <a:p>
             <a:r>
               <a:rPr lang="en-US" dirty="0"/>
-              <a:t>chooses the correct previous value based on where control flow is came from</a:t>
+              <a:t>in general, it is non-trivial to determine where and for which variables to put </a:t>
+            </a:r>
+            <a:r>
+              <a:rPr lang="el-GR" dirty="0"/>
+              <a:t>Φ</a:t>
+            </a:r>
+            <a:r>
+              <a:rPr lang="en-US" dirty="0"/>
+              <a:t> nodes (consider loops, jumps, etc.)</a:t>
             </a:r>
           </a:p>
           <a:p>
             <a:endParaRPr lang="en-US" dirty="0"/>
           </a:p>
           <a:p>
+            <a:endParaRPr lang="en-US" dirty="0"/>
+          </a:p>
+          <a:p>
             <a:r>
               <a:rPr lang="en-US" dirty="0"/>
-              <a:t>pseudo-instruction with no runtime counterpart</a:t>
-            </a:r>
-          </a:p>
-          <a:p>
-            <a:pPr lvl="1"/>
+              <a:t>efficient solution for minimal SSA exists</a:t>
+            </a:r>
+          </a:p>
+          <a:p>
             <a:r>
               <a:rPr lang="en-US" dirty="0"/>
-              <a:t>when executed, all Bs share are one variable and the </a:t>
-            </a:r>
-            <a:r>
-              <a:rPr lang="en-US" dirty="0" err="1"/>
-              <a:t>the</a:t>
+              <a:t>place </a:t>
+            </a:r>
+            <a:r>
+              <a:rPr lang="el-GR" dirty="0"/>
+              <a:t>Φ</a:t>
             </a:r>
             <a:r>
               <a:rPr lang="en-US" dirty="0"/>
-              <a:t> control flow taken modifies the value alone</a:t>
-            </a:r>
-          </a:p>
-          <a:p>
-            <a:pPr lvl="1"/>
+              <a:t> nodes for live variables at dominance frontiers</a:t>
+            </a:r>
+          </a:p>
+          <a:p>
+            <a:pPr marL="0" indent="0">
+              <a:buNone/>
+            </a:pPr>
+            <a:endParaRPr lang="en-US" dirty="0"/>
+          </a:p>
+          <a:p>
+            <a:endParaRPr lang="en-US" dirty="0"/>
+          </a:p>
+          <a:p>
+            <a:endParaRPr lang="en-US" dirty="0"/>
+          </a:p>
+          <a:p>
+            <a:endParaRPr lang="en-US" dirty="0"/>
+          </a:p>
+          <a:p>
             <a:endParaRPr lang="en-US" dirty="0"/>
           </a:p>
           <a:p>
@@ -11666,7 +11684,7 @@
     </p:spTree>
     <p:extLst>
       <p:ext uri="{BB962C8B-B14F-4D97-AF65-F5344CB8AC3E}">
-        <p14:creationId xmlns:p14="http://schemas.microsoft.com/office/powerpoint/2010/main" val="4213744640"/>
+        <p14:creationId xmlns:p14="http://schemas.microsoft.com/office/powerpoint/2010/main" val="268297512"/>
       </p:ext>
     </p:extLst>
   </p:cSld>
@@ -11710,7 +11728,7 @@
           <p:cNvPr id="2" name="Title 1">
             <a:extLst>
               <a:ext uri="{FF2B5EF4-FFF2-40B4-BE49-F238E27FC236}">
-                <a16:creationId xmlns:a16="http://schemas.microsoft.com/office/drawing/2014/main" id="{AAA73C58-FEBE-4BFC-AFF7-E12AC2049A4E}"/>
+                <a16:creationId xmlns:a16="http://schemas.microsoft.com/office/drawing/2014/main" id="{DD59A779-DBCA-42CE-8ABF-756E7DA3B56D}"/>
               </a:ext>
             </a:extLst>
           </p:cNvPr>
@@ -11728,7 +11746,7 @@
           <a:p>
             <a:r>
               <a:rPr lang="en-US" dirty="0"/>
-              <a:t>Converting to SSA</a:t>
+              <a:t>Converting to SSA - Dominance</a:t>
             </a:r>
           </a:p>
         </p:txBody>
@@ -11738,7 +11756,7 @@
           <p:cNvPr id="3" name="Content Placeholder 2">
             <a:extLst>
               <a:ext uri="{FF2B5EF4-FFF2-40B4-BE49-F238E27FC236}">
-                <a16:creationId xmlns:a16="http://schemas.microsoft.com/office/drawing/2014/main" id="{1A40BD99-8AE7-4193-8729-37082874A024}"/>
+                <a16:creationId xmlns:a16="http://schemas.microsoft.com/office/drawing/2014/main" id="{818E614F-CE41-4E80-8F8E-BC96046D3133}"/>
               </a:ext>
             </a:extLst>
           </p:cNvPr>
@@ -11756,44 +11774,46 @@
           <a:p>
             <a:r>
               <a:rPr lang="en-US" dirty="0"/>
-              <a:t>in general, it is non-trivial to determine where and for which variables to put </a:t>
-            </a:r>
-            <a:r>
-              <a:rPr lang="el-GR" dirty="0"/>
-              <a:t>Φ</a:t>
-            </a:r>
+              <a:t>instruction A strictly dominates different instruction B if</a:t>
+            </a:r>
+          </a:p>
+          <a:p>
+            <a:pPr lvl="1"/>
             <a:r>
               <a:rPr lang="en-US" dirty="0"/>
-              <a:t> nodes (consider loops, jumps, etc.)</a:t>
-            </a:r>
-          </a:p>
-          <a:p>
+              <a:t>all control flow to B must first pass through A</a:t>
+            </a:r>
+          </a:p>
+          <a:p>
+            <a:pPr lvl="1"/>
             <a:endParaRPr lang="en-US" dirty="0"/>
           </a:p>
           <a:p>
-            <a:endParaRPr lang="en-US" dirty="0"/>
-          </a:p>
-          <a:p>
             <a:r>
               <a:rPr lang="en-US" dirty="0"/>
-              <a:t>efficient solution for minimal SSA exists</a:t>
-            </a:r>
-          </a:p>
-          <a:p>
-            <a:endParaRPr lang="en-US" dirty="0"/>
-          </a:p>
-          <a:p>
-            <a:endParaRPr lang="en-US" dirty="0"/>
-          </a:p>
-          <a:p>
-            <a:endParaRPr lang="en-US" dirty="0"/>
+              <a:t>instruction A dominates B if</a:t>
+            </a:r>
+          </a:p>
+          <a:p>
+            <a:pPr lvl="1"/>
+            <a:r>
+              <a:rPr lang="en-US" dirty="0"/>
+              <a:t>A strictly dominates B</a:t>
+            </a:r>
+          </a:p>
+          <a:p>
+            <a:pPr lvl="1"/>
+            <a:r>
+              <a:rPr lang="en-US" dirty="0"/>
+              <a:t>or A == B</a:t>
+            </a:r>
           </a:p>
         </p:txBody>
       </p:sp>
     </p:spTree>
     <p:extLst>
       <p:ext uri="{BB962C8B-B14F-4D97-AF65-F5344CB8AC3E}">
-        <p14:creationId xmlns:p14="http://schemas.microsoft.com/office/powerpoint/2010/main" val="3673912622"/>
+        <p14:creationId xmlns:p14="http://schemas.microsoft.com/office/powerpoint/2010/main" val="203733372"/>
       </p:ext>
     </p:extLst>
   </p:cSld>
@@ -11837,7 +11857,7 @@
           <p:cNvPr id="2" name="Title 1">
             <a:extLst>
               <a:ext uri="{FF2B5EF4-FFF2-40B4-BE49-F238E27FC236}">
-                <a16:creationId xmlns:a16="http://schemas.microsoft.com/office/drawing/2014/main" id="{DD59A779-DBCA-42CE-8ABF-756E7DA3B56D}"/>
+                <a16:creationId xmlns:a16="http://schemas.microsoft.com/office/drawing/2014/main" id="{0D4665E5-0933-43AF-8310-9F184EA79E9C}"/>
               </a:ext>
             </a:extLst>
           </p:cNvPr>
@@ -11855,7 +11875,7 @@
           <a:p>
             <a:r>
               <a:rPr lang="en-US" dirty="0"/>
-              <a:t>Converting to SSA - Dominance</a:t>
+              <a:t>Converting to SSA – Dominance Frontier</a:t>
             </a:r>
           </a:p>
         </p:txBody>
@@ -11865,7 +11885,7 @@
           <p:cNvPr id="3" name="Content Placeholder 2">
             <a:extLst>
               <a:ext uri="{FF2B5EF4-FFF2-40B4-BE49-F238E27FC236}">
-                <a16:creationId xmlns:a16="http://schemas.microsoft.com/office/drawing/2014/main" id="{818E614F-CE41-4E80-8F8E-BC96046D3133}"/>
+                <a16:creationId xmlns:a16="http://schemas.microsoft.com/office/drawing/2014/main" id="{703F99FC-3E7E-43CD-AB74-D823D29876AA}"/>
               </a:ext>
             </a:extLst>
           </p:cNvPr>
@@ -11883,14 +11903,14 @@
           <a:p>
             <a:r>
               <a:rPr lang="en-US" dirty="0"/>
-              <a:t>instruction A strictly dominates different instruction B if</a:t>
+              <a:t>instruction B is in the dominance frontier of instruction A if:</a:t>
             </a:r>
           </a:p>
           <a:p>
             <a:pPr lvl="1"/>
             <a:r>
               <a:rPr lang="en-US" dirty="0"/>
-              <a:t>all control flow to B must first pass through A</a:t>
+              <a:t>A does not strictly dominate B, but dominates some predecessor of B</a:t>
             </a:r>
           </a:p>
           <a:p>
@@ -11898,23 +11918,12 @@
             <a:endParaRPr lang="en-US" dirty="0"/>
           </a:p>
           <a:p>
+            <a:endParaRPr lang="en-US" dirty="0"/>
+          </a:p>
+          <a:p>
             <a:r>
               <a:rPr lang="en-US" dirty="0"/>
-              <a:t>instruction A dominates B if</a:t>
-            </a:r>
-          </a:p>
-          <a:p>
-            <a:pPr lvl="1"/>
-            <a:r>
-              <a:rPr lang="en-US" dirty="0"/>
-              <a:t>A strictly dominates B</a:t>
-            </a:r>
-          </a:p>
-          <a:p>
-            <a:pPr lvl="1"/>
-            <a:r>
-              <a:rPr lang="en-US" dirty="0"/>
-              <a:t>or A == B</a:t>
+              <a:t>in English: if A assigns and strictly dominates B, then B will see A’s value, the dominance frontiers are earliest nodes from A to B where other control flow paths are joining</a:t>
             </a:r>
           </a:p>
         </p:txBody>
@@ -11922,7 +11931,7 @@
     </p:spTree>
     <p:extLst>
       <p:ext uri="{BB962C8B-B14F-4D97-AF65-F5344CB8AC3E}">
-        <p14:creationId xmlns:p14="http://schemas.microsoft.com/office/powerpoint/2010/main" val="203733372"/>
+        <p14:creationId xmlns:p14="http://schemas.microsoft.com/office/powerpoint/2010/main" val="1568407305"/>
       </p:ext>
     </p:extLst>
   </p:cSld>
@@ -11966,7 +11975,7 @@
           <p:cNvPr id="2" name="Title 1">
             <a:extLst>
               <a:ext uri="{FF2B5EF4-FFF2-40B4-BE49-F238E27FC236}">
-                <a16:creationId xmlns:a16="http://schemas.microsoft.com/office/drawing/2014/main" id="{0D4665E5-0933-43AF-8310-9F184EA79E9C}"/>
+                <a16:creationId xmlns:a16="http://schemas.microsoft.com/office/drawing/2014/main" id="{933A137B-02F1-41CB-9F7C-2C7AF4778E00}"/>
               </a:ext>
             </a:extLst>
           </p:cNvPr>
@@ -11984,7 +11993,7 @@
           <a:p>
             <a:r>
               <a:rPr lang="en-US" dirty="0"/>
-              <a:t>Converting to SSA – Dominance Frontier</a:t>
+              <a:t>Converting from SSA</a:t>
             </a:r>
           </a:p>
         </p:txBody>
@@ -11994,7 +12003,7 @@
           <p:cNvPr id="3" name="Content Placeholder 2">
             <a:extLst>
               <a:ext uri="{FF2B5EF4-FFF2-40B4-BE49-F238E27FC236}">
-                <a16:creationId xmlns:a16="http://schemas.microsoft.com/office/drawing/2014/main" id="{703F99FC-3E7E-43CD-AB74-D823D29876AA}"/>
+                <a16:creationId xmlns:a16="http://schemas.microsoft.com/office/drawing/2014/main" id="{6E0E627B-9DEC-4010-B1E7-7496298E0774}"/>
               </a:ext>
             </a:extLst>
           </p:cNvPr>
@@ -12010,37 +12019,14 @@
           <a:bodyPr/>
           <a:lstStyle/>
           <a:p>
-            <a:r>
-              <a:rPr lang="en-US" dirty="0"/>
-              <a:t>instruction B is in the dominance frontier of instruction A if:</a:t>
-            </a:r>
-          </a:p>
-          <a:p>
-            <a:pPr lvl="1"/>
-            <a:r>
-              <a:rPr lang="en-US" dirty="0"/>
-              <a:t>A does not strictly dominate B, but dominates some predecessor of B</a:t>
-            </a:r>
-          </a:p>
-          <a:p>
-            <a:pPr lvl="1"/>
-            <a:endParaRPr lang="en-US" dirty="0"/>
-          </a:p>
-          <a:p>
-            <a:endParaRPr lang="en-US" dirty="0"/>
-          </a:p>
-          <a:p>
-            <a:r>
-              <a:rPr lang="en-US" dirty="0"/>
-              <a:t>in English: if A assigns and strictly dominates B, then B will see A’s value, the dominance frontiers are earliest nodes from A to B where other control flow paths are joining</a:t>
-            </a:r>
+            <a:endParaRPr lang="en-US"/>
           </a:p>
         </p:txBody>
       </p:sp>
     </p:spTree>
     <p:extLst>
       <p:ext uri="{BB962C8B-B14F-4D97-AF65-F5344CB8AC3E}">
-        <p14:creationId xmlns:p14="http://schemas.microsoft.com/office/powerpoint/2010/main" val="1568407305"/>
+        <p14:creationId xmlns:p14="http://schemas.microsoft.com/office/powerpoint/2010/main" val="1337479115"/>
       </p:ext>
     </p:extLst>
   </p:cSld>
@@ -12084,7 +12070,7 @@
           <p:cNvPr id="2" name="Title 1">
             <a:extLst>
               <a:ext uri="{FF2B5EF4-FFF2-40B4-BE49-F238E27FC236}">
-                <a16:creationId xmlns:a16="http://schemas.microsoft.com/office/drawing/2014/main" id="{AAA73C58-FEBE-4BFC-AFF7-E12AC2049A4E}"/>
+                <a16:creationId xmlns:a16="http://schemas.microsoft.com/office/drawing/2014/main" id="{0DFB95DF-3694-4C7A-BBD2-2E0FD57ACBA2}"/>
               </a:ext>
             </a:extLst>
           </p:cNvPr>
@@ -12102,7 +12088,7 @@
           <a:p>
             <a:r>
               <a:rPr lang="en-US" dirty="0"/>
-              <a:t>Converting to SSA</a:t>
+              <a:t>Converting from SSA</a:t>
             </a:r>
           </a:p>
         </p:txBody>
@@ -12112,7 +12098,7 @@
           <p:cNvPr id="3" name="Content Placeholder 2">
             <a:extLst>
               <a:ext uri="{FF2B5EF4-FFF2-40B4-BE49-F238E27FC236}">
-                <a16:creationId xmlns:a16="http://schemas.microsoft.com/office/drawing/2014/main" id="{1A40BD99-8AE7-4193-8729-37082874A024}"/>
+                <a16:creationId xmlns:a16="http://schemas.microsoft.com/office/drawing/2014/main" id="{F5B978BA-384E-4187-A5D0-9B5D1AE09124}"/>
               </a:ext>
             </a:extLst>
           </p:cNvPr>
@@ -12130,70 +12116,24 @@
           <a:p>
             <a:r>
               <a:rPr lang="en-US" dirty="0"/>
-              <a:t>in general, it is non-trivial to determine where and for which variables to put </a:t>
-            </a:r>
-            <a:r>
-              <a:rPr lang="el-GR" dirty="0"/>
-              <a:t>Φ</a:t>
-            </a:r>
+              <a:t>converting optimized SSA to non-SSA representation also not trivial</a:t>
+            </a:r>
+          </a:p>
+          <a:p>
+            <a:endParaRPr lang="en-US" dirty="0"/>
+          </a:p>
+          <a:p>
             <a:r>
               <a:rPr lang="en-US" dirty="0"/>
-              <a:t> nodes (consider loops, jumps, etc.)</a:t>
-            </a:r>
-          </a:p>
-          <a:p>
-            <a:endParaRPr lang="en-US" dirty="0"/>
-          </a:p>
-          <a:p>
-            <a:endParaRPr lang="en-US" dirty="0"/>
-          </a:p>
-          <a:p>
-            <a:r>
-              <a:rPr lang="en-US" dirty="0"/>
-              <a:t>efficient solution for minimal SSA exists</a:t>
-            </a:r>
-          </a:p>
-          <a:p>
-            <a:r>
-              <a:rPr lang="en-US" dirty="0"/>
-              <a:t>place </a:t>
-            </a:r>
-            <a:r>
-              <a:rPr lang="el-GR" dirty="0"/>
-              <a:t>Φ</a:t>
-            </a:r>
-            <a:r>
-              <a:rPr lang="en-US" dirty="0"/>
-              <a:t> nodes for live variables at dominance frontiers</a:t>
-            </a:r>
-          </a:p>
-          <a:p>
-            <a:pPr marL="0" indent="0">
-              <a:buNone/>
-            </a:pPr>
-            <a:endParaRPr lang="en-US" dirty="0"/>
-          </a:p>
-          <a:p>
-            <a:endParaRPr lang="en-US" dirty="0"/>
-          </a:p>
-          <a:p>
-            <a:endParaRPr lang="en-US" dirty="0"/>
-          </a:p>
-          <a:p>
-            <a:endParaRPr lang="en-US" dirty="0"/>
-          </a:p>
-          <a:p>
-            <a:endParaRPr lang="en-US" dirty="0"/>
-          </a:p>
-          <a:p>
-            <a:endParaRPr lang="en-US" dirty="0"/>
+              <a:t>optimizations can prevent conversion just by merging values</a:t>
+            </a:r>
           </a:p>
         </p:txBody>
       </p:sp>
     </p:spTree>
     <p:extLst>
       <p:ext uri="{BB962C8B-B14F-4D97-AF65-F5344CB8AC3E}">
-        <p14:creationId xmlns:p14="http://schemas.microsoft.com/office/powerpoint/2010/main" val="268297512"/>
+        <p14:creationId xmlns:p14="http://schemas.microsoft.com/office/powerpoint/2010/main" val="4187989007"/>
       </p:ext>
     </p:extLst>
   </p:cSld>
@@ -12237,7 +12177,7 @@
           <p:cNvPr id="2" name="Title 1">
             <a:extLst>
               <a:ext uri="{FF2B5EF4-FFF2-40B4-BE49-F238E27FC236}">
-                <a16:creationId xmlns:a16="http://schemas.microsoft.com/office/drawing/2014/main" id="{933A137B-02F1-41CB-9F7C-2C7AF4778E00}"/>
+                <a16:creationId xmlns:a16="http://schemas.microsoft.com/office/drawing/2014/main" id="{4BF6F1EA-B94B-440E-A4CC-1C9B66FDA559}"/>
               </a:ext>
             </a:extLst>
           </p:cNvPr>
@@ -12254,8 +12194,11 @@
           <a:lstStyle/>
           <a:p>
             <a:r>
-              <a:rPr lang="en-US" dirty="0"/>
-              <a:t>Converting from SSA</a:t>
+              <a:rPr lang="en-US" dirty="0">
+                <a:latin typeface="Iosevka NF" panose="02000509000000000000" pitchFamily="49" charset="0"/>
+                <a:ea typeface="Iosevka NF" panose="02000509000000000000" pitchFamily="49" charset="0"/>
+              </a:rPr>
+              <a:t>x = 3; y = 3; x = 4; y = y + 2; </a:t>
             </a:r>
           </a:p>
         </p:txBody>
@@ -12265,7 +12208,7 @@
           <p:cNvPr id="3" name="Content Placeholder 2">
             <a:extLst>
               <a:ext uri="{FF2B5EF4-FFF2-40B4-BE49-F238E27FC236}">
-                <a16:creationId xmlns:a16="http://schemas.microsoft.com/office/drawing/2014/main" id="{6E0E627B-9DEC-4010-B1E7-7496298E0774}"/>
+                <a16:creationId xmlns:a16="http://schemas.microsoft.com/office/drawing/2014/main" id="{F15C0F6A-1E98-4218-851A-3809D6B42B08}"/>
               </a:ext>
             </a:extLst>
           </p:cNvPr>
@@ -12278,17 +12221,138 @@
         </p:nvSpPr>
         <p:spPr/>
         <p:txBody>
-          <a:bodyPr/>
-          <a:lstStyle/>
-          <a:p>
-            <a:endParaRPr lang="en-US"/>
+          <a:bodyPr numCol="3"/>
+          <a:lstStyle/>
+          <a:p>
+            <a:pPr marL="0" indent="0">
+              <a:buNone/>
+            </a:pPr>
+            <a:r>
+              <a:rPr lang="en-US" dirty="0">
+                <a:latin typeface="Iosevka NF" panose="02000509000000000000" pitchFamily="49" charset="0"/>
+                <a:ea typeface="Iosevka NF" panose="02000509000000000000" pitchFamily="49" charset="0"/>
+              </a:rPr>
+              <a:t>x</a:t>
+            </a:r>
+            <a:r>
+              <a:rPr lang="en-US" baseline="-25000" dirty="0">
+                <a:latin typeface="Iosevka NF" panose="02000509000000000000" pitchFamily="49" charset="0"/>
+                <a:ea typeface="Iosevka NF" panose="02000509000000000000" pitchFamily="49" charset="0"/>
+              </a:rPr>
+              <a:t>0</a:t>
+            </a:r>
+            <a:r>
+              <a:rPr lang="en-US" dirty="0">
+                <a:latin typeface="Iosevka NF" panose="02000509000000000000" pitchFamily="49" charset="0"/>
+                <a:ea typeface="Iosevka NF" panose="02000509000000000000" pitchFamily="49" charset="0"/>
+              </a:rPr>
+              <a:t> = 3</a:t>
+            </a:r>
+          </a:p>
+          <a:p>
+            <a:pPr marL="0" indent="0">
+              <a:buNone/>
+            </a:pPr>
+            <a:r>
+              <a:rPr lang="en-US" dirty="0">
+                <a:latin typeface="Iosevka NF" panose="02000509000000000000" pitchFamily="49" charset="0"/>
+                <a:ea typeface="Iosevka NF" panose="02000509000000000000" pitchFamily="49" charset="0"/>
+              </a:rPr>
+              <a:t>y</a:t>
+            </a:r>
+            <a:r>
+              <a:rPr lang="en-US" baseline="-25000" dirty="0">
+                <a:latin typeface="Iosevka NF" panose="02000509000000000000" pitchFamily="49" charset="0"/>
+                <a:ea typeface="Iosevka NF" panose="02000509000000000000" pitchFamily="49" charset="0"/>
+              </a:rPr>
+              <a:t>0</a:t>
+            </a:r>
+            <a:r>
+              <a:rPr lang="en-US" dirty="0">
+                <a:latin typeface="Iosevka NF" panose="02000509000000000000" pitchFamily="49" charset="0"/>
+                <a:ea typeface="Iosevka NF" panose="02000509000000000000" pitchFamily="49" charset="0"/>
+              </a:rPr>
+              <a:t> = 3</a:t>
+            </a:r>
+          </a:p>
+          <a:p>
+            <a:pPr marL="0" indent="0">
+              <a:buNone/>
+            </a:pPr>
+            <a:r>
+              <a:rPr lang="en-US" dirty="0">
+                <a:latin typeface="Iosevka NF" panose="02000509000000000000" pitchFamily="49" charset="0"/>
+                <a:ea typeface="Iosevka NF" panose="02000509000000000000" pitchFamily="49" charset="0"/>
+              </a:rPr>
+              <a:t>x</a:t>
+            </a:r>
+            <a:r>
+              <a:rPr lang="en-US" baseline="-25000" dirty="0">
+                <a:latin typeface="Iosevka NF" panose="02000509000000000000" pitchFamily="49" charset="0"/>
+                <a:ea typeface="Iosevka NF" panose="02000509000000000000" pitchFamily="49" charset="0"/>
+              </a:rPr>
+              <a:t>1</a:t>
+            </a:r>
+            <a:r>
+              <a:rPr lang="en-US" dirty="0">
+                <a:latin typeface="Iosevka NF" panose="02000509000000000000" pitchFamily="49" charset="0"/>
+                <a:ea typeface="Iosevka NF" panose="02000509000000000000" pitchFamily="49" charset="0"/>
+              </a:rPr>
+              <a:t> = 4</a:t>
+            </a:r>
+          </a:p>
+          <a:p>
+            <a:pPr marL="0" indent="0">
+              <a:buNone/>
+            </a:pPr>
+            <a:r>
+              <a:rPr lang="en-US" dirty="0">
+                <a:latin typeface="Iosevka NF" panose="02000509000000000000" pitchFamily="49" charset="0"/>
+                <a:ea typeface="Iosevka NF" panose="02000509000000000000" pitchFamily="49" charset="0"/>
+              </a:rPr>
+              <a:t>y</a:t>
+            </a:r>
+            <a:r>
+              <a:rPr lang="en-US" baseline="-25000" dirty="0">
+                <a:latin typeface="Iosevka NF" panose="02000509000000000000" pitchFamily="49" charset="0"/>
+                <a:ea typeface="Iosevka NF" panose="02000509000000000000" pitchFamily="49" charset="0"/>
+              </a:rPr>
+              <a:t>1</a:t>
+            </a:r>
+            <a:r>
+              <a:rPr lang="en-US" dirty="0">
+                <a:latin typeface="Iosevka NF" panose="02000509000000000000" pitchFamily="49" charset="0"/>
+                <a:ea typeface="Iosevka NF" panose="02000509000000000000" pitchFamily="49" charset="0"/>
+              </a:rPr>
+              <a:t> = y</a:t>
+            </a:r>
+            <a:r>
+              <a:rPr lang="en-US" baseline="-25000" dirty="0">
+                <a:latin typeface="Iosevka NF" panose="02000509000000000000" pitchFamily="49" charset="0"/>
+                <a:ea typeface="Iosevka NF" panose="02000509000000000000" pitchFamily="49" charset="0"/>
+              </a:rPr>
+              <a:t>0</a:t>
+            </a:r>
+            <a:r>
+              <a:rPr lang="en-US" dirty="0">
+                <a:latin typeface="Iosevka NF" panose="02000509000000000000" pitchFamily="49" charset="0"/>
+                <a:ea typeface="Iosevka NF" panose="02000509000000000000" pitchFamily="49" charset="0"/>
+              </a:rPr>
+              <a:t> + 2</a:t>
+            </a:r>
+          </a:p>
+          <a:p>
+            <a:pPr marL="0" indent="0">
+              <a:buNone/>
+            </a:pPr>
+            <a:endParaRPr lang="en-US" dirty="0"/>
           </a:p>
         </p:txBody>
       </p:sp>
     </p:spTree>
     <p:extLst>
       <p:ext uri="{BB962C8B-B14F-4D97-AF65-F5344CB8AC3E}">
-        <p14:creationId xmlns:p14="http://schemas.microsoft.com/office/powerpoint/2010/main" val="1337479115"/>
+        <p14:creationId xmlns:p14="http://schemas.microsoft.com/office/powerpoint/2010/main" val="106383111"/>
       </p:ext>
     </p:extLst>
   </p:cSld>
@@ -12332,7 +12396,7 @@
           <p:cNvPr id="2" name="Title 1">
             <a:extLst>
               <a:ext uri="{FF2B5EF4-FFF2-40B4-BE49-F238E27FC236}">
-                <a16:creationId xmlns:a16="http://schemas.microsoft.com/office/drawing/2014/main" id="{0DFB95DF-3694-4C7A-BBD2-2E0FD57ACBA2}"/>
+                <a16:creationId xmlns:a16="http://schemas.microsoft.com/office/drawing/2014/main" id="{4BF6F1EA-B94B-440E-A4CC-1C9B66FDA559}"/>
               </a:ext>
             </a:extLst>
           </p:cNvPr>
@@ -12349,8 +12413,11 @@
           <a:lstStyle/>
           <a:p>
             <a:r>
-              <a:rPr lang="en-US" dirty="0"/>
-              <a:t>Converting from SSA</a:t>
+              <a:rPr lang="en-US" dirty="0">
+                <a:latin typeface="Iosevka NF" panose="02000509000000000000" pitchFamily="49" charset="0"/>
+                <a:ea typeface="Iosevka NF" panose="02000509000000000000" pitchFamily="49" charset="0"/>
+              </a:rPr>
+              <a:t>x = 3; y = 3; x = 4; y = y + 2; </a:t>
             </a:r>
           </a:p>
         </p:txBody>
@@ -12360,7 +12427,7 @@
           <p:cNvPr id="3" name="Content Placeholder 2">
             <a:extLst>
               <a:ext uri="{FF2B5EF4-FFF2-40B4-BE49-F238E27FC236}">
-                <a16:creationId xmlns:a16="http://schemas.microsoft.com/office/drawing/2014/main" id="{F5B978BA-384E-4187-A5D0-9B5D1AE09124}"/>
+                <a16:creationId xmlns:a16="http://schemas.microsoft.com/office/drawing/2014/main" id="{F15C0F6A-1E98-4218-851A-3809D6B42B08}"/>
               </a:ext>
             </a:extLst>
           </p:cNvPr>
@@ -12373,43 +12440,289 @@
         </p:nvSpPr>
         <p:spPr/>
         <p:txBody>
-          <a:bodyPr/>
-          <a:lstStyle/>
-          <a:p>
-            <a:r>
-              <a:rPr lang="en-US" dirty="0"/>
-              <a:t>converting optimized SSA to non-SSA representation also not trivial</a:t>
-            </a:r>
-          </a:p>
-          <a:p>
+          <a:bodyPr numCol="3"/>
+          <a:lstStyle/>
+          <a:p>
+            <a:pPr marL="0" indent="0">
+              <a:buNone/>
+            </a:pPr>
+            <a:r>
+              <a:rPr lang="en-US" dirty="0">
+                <a:latin typeface="Iosevka NF" panose="02000509000000000000" pitchFamily="49" charset="0"/>
+                <a:ea typeface="Iosevka NF" panose="02000509000000000000" pitchFamily="49" charset="0"/>
+              </a:rPr>
+              <a:t>x</a:t>
+            </a:r>
+            <a:r>
+              <a:rPr lang="en-US" baseline="-25000" dirty="0">
+                <a:latin typeface="Iosevka NF" panose="02000509000000000000" pitchFamily="49" charset="0"/>
+                <a:ea typeface="Iosevka NF" panose="02000509000000000000" pitchFamily="49" charset="0"/>
+              </a:rPr>
+              <a:t>0</a:t>
+            </a:r>
+            <a:r>
+              <a:rPr lang="en-US" dirty="0">
+                <a:latin typeface="Iosevka NF" panose="02000509000000000000" pitchFamily="49" charset="0"/>
+                <a:ea typeface="Iosevka NF" panose="02000509000000000000" pitchFamily="49" charset="0"/>
+              </a:rPr>
+              <a:t> = 3</a:t>
+            </a:r>
+          </a:p>
+          <a:p>
+            <a:pPr marL="0" indent="0">
+              <a:buNone/>
+            </a:pPr>
+            <a:r>
+              <a:rPr lang="en-US" dirty="0">
+                <a:latin typeface="Iosevka NF" panose="02000509000000000000" pitchFamily="49" charset="0"/>
+                <a:ea typeface="Iosevka NF" panose="02000509000000000000" pitchFamily="49" charset="0"/>
+              </a:rPr>
+              <a:t>y</a:t>
+            </a:r>
+            <a:r>
+              <a:rPr lang="en-US" baseline="-25000" dirty="0">
+                <a:latin typeface="Iosevka NF" panose="02000509000000000000" pitchFamily="49" charset="0"/>
+                <a:ea typeface="Iosevka NF" panose="02000509000000000000" pitchFamily="49" charset="0"/>
+              </a:rPr>
+              <a:t>0</a:t>
+            </a:r>
+            <a:r>
+              <a:rPr lang="en-US" dirty="0">
+                <a:latin typeface="Iosevka NF" panose="02000509000000000000" pitchFamily="49" charset="0"/>
+                <a:ea typeface="Iosevka NF" panose="02000509000000000000" pitchFamily="49" charset="0"/>
+              </a:rPr>
+              <a:t> = 3</a:t>
+            </a:r>
+          </a:p>
+          <a:p>
+            <a:pPr marL="0" indent="0">
+              <a:buNone/>
+            </a:pPr>
+            <a:r>
+              <a:rPr lang="en-US" dirty="0">
+                <a:latin typeface="Iosevka NF" panose="02000509000000000000" pitchFamily="49" charset="0"/>
+                <a:ea typeface="Iosevka NF" panose="02000509000000000000" pitchFamily="49" charset="0"/>
+              </a:rPr>
+              <a:t>x</a:t>
+            </a:r>
+            <a:r>
+              <a:rPr lang="en-US" baseline="-25000" dirty="0">
+                <a:latin typeface="Iosevka NF" panose="02000509000000000000" pitchFamily="49" charset="0"/>
+                <a:ea typeface="Iosevka NF" panose="02000509000000000000" pitchFamily="49" charset="0"/>
+              </a:rPr>
+              <a:t>1</a:t>
+            </a:r>
+            <a:r>
+              <a:rPr lang="en-US" dirty="0">
+                <a:latin typeface="Iosevka NF" panose="02000509000000000000" pitchFamily="49" charset="0"/>
+                <a:ea typeface="Iosevka NF" panose="02000509000000000000" pitchFamily="49" charset="0"/>
+              </a:rPr>
+              <a:t> = 4</a:t>
+            </a:r>
+          </a:p>
+          <a:p>
+            <a:pPr marL="0" indent="0">
+              <a:buNone/>
+            </a:pPr>
+            <a:r>
+              <a:rPr lang="en-US" dirty="0">
+                <a:latin typeface="Iosevka NF" panose="02000509000000000000" pitchFamily="49" charset="0"/>
+                <a:ea typeface="Iosevka NF" panose="02000509000000000000" pitchFamily="49" charset="0"/>
+              </a:rPr>
+              <a:t>y</a:t>
+            </a:r>
+            <a:r>
+              <a:rPr lang="en-US" baseline="-25000" dirty="0">
+                <a:latin typeface="Iosevka NF" panose="02000509000000000000" pitchFamily="49" charset="0"/>
+                <a:ea typeface="Iosevka NF" panose="02000509000000000000" pitchFamily="49" charset="0"/>
+              </a:rPr>
+              <a:t>1</a:t>
+            </a:r>
+            <a:r>
+              <a:rPr lang="en-US" dirty="0">
+                <a:latin typeface="Iosevka NF" panose="02000509000000000000" pitchFamily="49" charset="0"/>
+                <a:ea typeface="Iosevka NF" panose="02000509000000000000" pitchFamily="49" charset="0"/>
+              </a:rPr>
+              <a:t> = y</a:t>
+            </a:r>
+            <a:r>
+              <a:rPr lang="en-US" baseline="-25000" dirty="0">
+                <a:latin typeface="Iosevka NF" panose="02000509000000000000" pitchFamily="49" charset="0"/>
+                <a:ea typeface="Iosevka NF" panose="02000509000000000000" pitchFamily="49" charset="0"/>
+              </a:rPr>
+              <a:t>0</a:t>
+            </a:r>
+            <a:r>
+              <a:rPr lang="en-US" dirty="0">
+                <a:latin typeface="Iosevka NF" panose="02000509000000000000" pitchFamily="49" charset="0"/>
+                <a:ea typeface="Iosevka NF" panose="02000509000000000000" pitchFamily="49" charset="0"/>
+              </a:rPr>
+              <a:t> + 2</a:t>
+            </a:r>
+          </a:p>
+          <a:p>
+            <a:pPr marL="0" indent="0">
+              <a:buNone/>
+            </a:pPr>
+            <a:endParaRPr lang="en-US" dirty="0">
+              <a:latin typeface="Iosevka NF" panose="02000509000000000000" pitchFamily="49" charset="0"/>
+              <a:ea typeface="Iosevka NF" panose="02000509000000000000" pitchFamily="49" charset="0"/>
+            </a:endParaRPr>
+          </a:p>
+          <a:p>
+            <a:pPr marL="0" indent="0">
+              <a:buNone/>
+            </a:pPr>
+            <a:endParaRPr lang="en-US" dirty="0">
+              <a:latin typeface="Iosevka NF" panose="02000509000000000000" pitchFamily="49" charset="0"/>
+              <a:ea typeface="Iosevka NF" panose="02000509000000000000" pitchFamily="49" charset="0"/>
+            </a:endParaRPr>
+          </a:p>
+          <a:p>
+            <a:pPr marL="0" indent="0">
+              <a:buNone/>
+            </a:pPr>
+            <a:endParaRPr lang="en-US" dirty="0">
+              <a:latin typeface="Iosevka NF" panose="02000509000000000000" pitchFamily="49" charset="0"/>
+              <a:ea typeface="Iosevka NF" panose="02000509000000000000" pitchFamily="49" charset="0"/>
+            </a:endParaRPr>
+          </a:p>
+          <a:p>
+            <a:pPr marL="0" indent="0">
+              <a:buNone/>
+            </a:pPr>
+            <a:endParaRPr lang="en-US" dirty="0">
+              <a:latin typeface="Iosevka NF" panose="02000509000000000000" pitchFamily="49" charset="0"/>
+              <a:ea typeface="Iosevka NF" panose="02000509000000000000" pitchFamily="49" charset="0"/>
+            </a:endParaRPr>
+          </a:p>
+          <a:p>
+            <a:pPr marL="0" indent="0">
+              <a:buNone/>
+            </a:pPr>
+            <a:r>
+              <a:rPr lang="en-US" dirty="0">
+                <a:latin typeface="Iosevka NF" panose="02000509000000000000" pitchFamily="49" charset="0"/>
+                <a:ea typeface="Iosevka NF" panose="02000509000000000000" pitchFamily="49" charset="0"/>
+              </a:rPr>
+              <a:t>x</a:t>
+            </a:r>
+            <a:r>
+              <a:rPr lang="en-US" baseline="-25000" dirty="0">
+                <a:latin typeface="Iosevka NF" panose="02000509000000000000" pitchFamily="49" charset="0"/>
+                <a:ea typeface="Iosevka NF" panose="02000509000000000000" pitchFamily="49" charset="0"/>
+              </a:rPr>
+              <a:t>0</a:t>
+            </a:r>
+            <a:r>
+              <a:rPr lang="en-US" dirty="0">
+                <a:latin typeface="Iosevka NF" panose="02000509000000000000" pitchFamily="49" charset="0"/>
+                <a:ea typeface="Iosevka NF" panose="02000509000000000000" pitchFamily="49" charset="0"/>
+              </a:rPr>
+              <a:t> = 3</a:t>
+            </a:r>
+          </a:p>
+          <a:p>
+            <a:pPr marL="0" indent="0">
+              <a:buNone/>
+            </a:pPr>
+            <a:r>
+              <a:rPr lang="en-US" dirty="0">
+                <a:latin typeface="Iosevka NF" panose="02000509000000000000" pitchFamily="49" charset="0"/>
+                <a:ea typeface="Iosevka NF" panose="02000509000000000000" pitchFamily="49" charset="0"/>
+              </a:rPr>
+              <a:t>x</a:t>
+            </a:r>
+            <a:r>
+              <a:rPr lang="en-US" baseline="-25000" dirty="0">
+                <a:latin typeface="Iosevka NF" panose="02000509000000000000" pitchFamily="49" charset="0"/>
+                <a:ea typeface="Iosevka NF" panose="02000509000000000000" pitchFamily="49" charset="0"/>
+              </a:rPr>
+              <a:t>1</a:t>
+            </a:r>
+            <a:r>
+              <a:rPr lang="en-US" dirty="0">
+                <a:latin typeface="Iosevka NF" panose="02000509000000000000" pitchFamily="49" charset="0"/>
+                <a:ea typeface="Iosevka NF" panose="02000509000000000000" pitchFamily="49" charset="0"/>
+              </a:rPr>
+              <a:t> = 4</a:t>
+            </a:r>
+          </a:p>
+          <a:p>
+            <a:pPr marL="0" indent="0">
+              <a:buNone/>
+            </a:pPr>
+            <a:r>
+              <a:rPr lang="en-US" dirty="0">
+                <a:latin typeface="Iosevka NF" panose="02000509000000000000" pitchFamily="49" charset="0"/>
+                <a:ea typeface="Iosevka NF" panose="02000509000000000000" pitchFamily="49" charset="0"/>
+              </a:rPr>
+              <a:t>y</a:t>
+            </a:r>
+            <a:r>
+              <a:rPr lang="en-US" baseline="-25000" dirty="0">
+                <a:latin typeface="Iosevka NF" panose="02000509000000000000" pitchFamily="49" charset="0"/>
+                <a:ea typeface="Iosevka NF" panose="02000509000000000000" pitchFamily="49" charset="0"/>
+              </a:rPr>
+              <a:t>1</a:t>
+            </a:r>
+            <a:r>
+              <a:rPr lang="en-US" dirty="0">
+                <a:latin typeface="Iosevka NF" panose="02000509000000000000" pitchFamily="49" charset="0"/>
+                <a:ea typeface="Iosevka NF" panose="02000509000000000000" pitchFamily="49" charset="0"/>
+              </a:rPr>
+              <a:t> = x</a:t>
+            </a:r>
+            <a:r>
+              <a:rPr lang="en-US" baseline="-25000" dirty="0">
+                <a:latin typeface="Iosevka NF" panose="02000509000000000000" pitchFamily="49" charset="0"/>
+                <a:ea typeface="Iosevka NF" panose="02000509000000000000" pitchFamily="49" charset="0"/>
+              </a:rPr>
+              <a:t>0</a:t>
+            </a:r>
+            <a:r>
+              <a:rPr lang="en-US" dirty="0">
+                <a:latin typeface="Iosevka NF" panose="02000509000000000000" pitchFamily="49" charset="0"/>
+                <a:ea typeface="Iosevka NF" panose="02000509000000000000" pitchFamily="49" charset="0"/>
+              </a:rPr>
+              <a:t> + 2</a:t>
+            </a:r>
+          </a:p>
+          <a:p>
+            <a:pPr marL="0" indent="0">
+              <a:buNone/>
+            </a:pPr>
+            <a:endParaRPr lang="en-US" dirty="0">
+              <a:latin typeface="Iosevka NF" panose="02000509000000000000" pitchFamily="49" charset="0"/>
+              <a:ea typeface="Iosevka NF" panose="02000509000000000000" pitchFamily="49" charset="0"/>
+            </a:endParaRPr>
+          </a:p>
+          <a:p>
+            <a:pPr marL="0" indent="0">
+              <a:buNone/>
+            </a:pPr>
             <a:endParaRPr lang="en-US" dirty="0"/>
-          </a:p>
-          <a:p>
-            <a:r>
-              <a:rPr lang="en-US" dirty="0"/>
-              <a:t>optimizations can prevent conversion just by merging values</a:t>
-            </a:r>
           </a:p>
         </p:txBody>
       </p:sp>
     </p:spTree>
     <p:extLst>
       <p:ext uri="{BB962C8B-B14F-4D97-AF65-F5344CB8AC3E}">
-        <p14:creationId xmlns:p14="http://schemas.microsoft.com/office/powerpoint/2010/main" val="4187989007"/>
+        <p14:creationId xmlns:p14="http://schemas.microsoft.com/office/powerpoint/2010/main" val="2707543928"/>
       </p:ext>
     </p:extLst>
   </p:cSld>
   <p:clrMapOvr>
     <a:masterClrMapping/>
   </p:clrMapOvr>
-  <mc:AlternateContent xmlns:mc="http://schemas.openxmlformats.org/markup-compatibility/2006" xmlns:p159="http://schemas.microsoft.com/office/powerpoint/2015/09/main">
-    <mc:Choice Requires="p159">
-      <p:transition xmlns:p14="http://schemas.microsoft.com/office/powerpoint/2010/main" spd="slow" p14:dur="2000">
-        <p159:morph option="byObject"/>
+  <mc:AlternateContent xmlns:mc="http://schemas.openxmlformats.org/markup-compatibility/2006" xmlns:p14="http://schemas.microsoft.com/office/powerpoint/2010/main">
+    <mc:Choice Requires="p14">
+      <p:transition spd="med" p14:dur="700">
+        <p:fade/>
       </p:transition>
     </mc:Choice>
     <mc:Fallback xmlns="">
-      <p:transition spd="slow">
+      <p:transition spd="med">
         <p:fade/>
       </p:transition>
     </mc:Fallback>
@@ -12607,6 +12920,224 @@
             <a:pPr marL="0" indent="0">
               <a:buNone/>
             </a:pPr>
+            <a:endParaRPr lang="en-US" dirty="0">
+              <a:latin typeface="Iosevka NF" panose="02000509000000000000" pitchFamily="49" charset="0"/>
+              <a:ea typeface="Iosevka NF" panose="02000509000000000000" pitchFamily="49" charset="0"/>
+            </a:endParaRPr>
+          </a:p>
+          <a:p>
+            <a:pPr marL="0" indent="0">
+              <a:buNone/>
+            </a:pPr>
+            <a:endParaRPr lang="en-US" dirty="0">
+              <a:latin typeface="Iosevka NF" panose="02000509000000000000" pitchFamily="49" charset="0"/>
+              <a:ea typeface="Iosevka NF" panose="02000509000000000000" pitchFamily="49" charset="0"/>
+            </a:endParaRPr>
+          </a:p>
+          <a:p>
+            <a:pPr marL="0" indent="0">
+              <a:buNone/>
+            </a:pPr>
+            <a:endParaRPr lang="en-US" dirty="0">
+              <a:latin typeface="Iosevka NF" panose="02000509000000000000" pitchFamily="49" charset="0"/>
+              <a:ea typeface="Iosevka NF" panose="02000509000000000000" pitchFamily="49" charset="0"/>
+            </a:endParaRPr>
+          </a:p>
+          <a:p>
+            <a:pPr marL="0" indent="0">
+              <a:buNone/>
+            </a:pPr>
+            <a:endParaRPr lang="en-US" dirty="0">
+              <a:latin typeface="Iosevka NF" panose="02000509000000000000" pitchFamily="49" charset="0"/>
+              <a:ea typeface="Iosevka NF" panose="02000509000000000000" pitchFamily="49" charset="0"/>
+            </a:endParaRPr>
+          </a:p>
+          <a:p>
+            <a:pPr marL="0" indent="0">
+              <a:buNone/>
+            </a:pPr>
+            <a:r>
+              <a:rPr lang="en-US" dirty="0">
+                <a:latin typeface="Iosevka NF" panose="02000509000000000000" pitchFamily="49" charset="0"/>
+                <a:ea typeface="Iosevka NF" panose="02000509000000000000" pitchFamily="49" charset="0"/>
+              </a:rPr>
+              <a:t>x</a:t>
+            </a:r>
+            <a:r>
+              <a:rPr lang="en-US" baseline="-25000" dirty="0">
+                <a:latin typeface="Iosevka NF" panose="02000509000000000000" pitchFamily="49" charset="0"/>
+                <a:ea typeface="Iosevka NF" panose="02000509000000000000" pitchFamily="49" charset="0"/>
+              </a:rPr>
+              <a:t>0</a:t>
+            </a:r>
+            <a:r>
+              <a:rPr lang="en-US" dirty="0">
+                <a:latin typeface="Iosevka NF" panose="02000509000000000000" pitchFamily="49" charset="0"/>
+                <a:ea typeface="Iosevka NF" panose="02000509000000000000" pitchFamily="49" charset="0"/>
+              </a:rPr>
+              <a:t> = 3</a:t>
+            </a:r>
+          </a:p>
+          <a:p>
+            <a:pPr marL="0" indent="0">
+              <a:buNone/>
+            </a:pPr>
+            <a:r>
+              <a:rPr lang="en-US" dirty="0">
+                <a:latin typeface="Iosevka NF" panose="02000509000000000000" pitchFamily="49" charset="0"/>
+                <a:ea typeface="Iosevka NF" panose="02000509000000000000" pitchFamily="49" charset="0"/>
+              </a:rPr>
+              <a:t>x</a:t>
+            </a:r>
+            <a:r>
+              <a:rPr lang="en-US" baseline="-25000" dirty="0">
+                <a:latin typeface="Iosevka NF" panose="02000509000000000000" pitchFamily="49" charset="0"/>
+                <a:ea typeface="Iosevka NF" panose="02000509000000000000" pitchFamily="49" charset="0"/>
+              </a:rPr>
+              <a:t>1</a:t>
+            </a:r>
+            <a:r>
+              <a:rPr lang="en-US" dirty="0">
+                <a:latin typeface="Iosevka NF" panose="02000509000000000000" pitchFamily="49" charset="0"/>
+                <a:ea typeface="Iosevka NF" panose="02000509000000000000" pitchFamily="49" charset="0"/>
+              </a:rPr>
+              <a:t> = 4</a:t>
+            </a:r>
+          </a:p>
+          <a:p>
+            <a:pPr marL="0" indent="0">
+              <a:buNone/>
+            </a:pPr>
+            <a:r>
+              <a:rPr lang="en-US" dirty="0">
+                <a:latin typeface="Iosevka NF" panose="02000509000000000000" pitchFamily="49" charset="0"/>
+                <a:ea typeface="Iosevka NF" panose="02000509000000000000" pitchFamily="49" charset="0"/>
+              </a:rPr>
+              <a:t>y</a:t>
+            </a:r>
+            <a:r>
+              <a:rPr lang="en-US" baseline="-25000" dirty="0">
+                <a:latin typeface="Iosevka NF" panose="02000509000000000000" pitchFamily="49" charset="0"/>
+                <a:ea typeface="Iosevka NF" panose="02000509000000000000" pitchFamily="49" charset="0"/>
+              </a:rPr>
+              <a:t>1</a:t>
+            </a:r>
+            <a:r>
+              <a:rPr lang="en-US" dirty="0">
+                <a:latin typeface="Iosevka NF" panose="02000509000000000000" pitchFamily="49" charset="0"/>
+                <a:ea typeface="Iosevka NF" panose="02000509000000000000" pitchFamily="49" charset="0"/>
+              </a:rPr>
+              <a:t> = x</a:t>
+            </a:r>
+            <a:r>
+              <a:rPr lang="en-US" baseline="-25000" dirty="0">
+                <a:latin typeface="Iosevka NF" panose="02000509000000000000" pitchFamily="49" charset="0"/>
+                <a:ea typeface="Iosevka NF" panose="02000509000000000000" pitchFamily="49" charset="0"/>
+              </a:rPr>
+              <a:t>0</a:t>
+            </a:r>
+            <a:r>
+              <a:rPr lang="en-US" dirty="0">
+                <a:latin typeface="Iosevka NF" panose="02000509000000000000" pitchFamily="49" charset="0"/>
+                <a:ea typeface="Iosevka NF" panose="02000509000000000000" pitchFamily="49" charset="0"/>
+              </a:rPr>
+              <a:t> + 2</a:t>
+            </a:r>
+          </a:p>
+          <a:p>
+            <a:pPr marL="0" indent="0">
+              <a:buNone/>
+            </a:pPr>
+            <a:endParaRPr lang="en-US" dirty="0">
+              <a:latin typeface="Iosevka NF" panose="02000509000000000000" pitchFamily="49" charset="0"/>
+              <a:ea typeface="Iosevka NF" panose="02000509000000000000" pitchFamily="49" charset="0"/>
+            </a:endParaRPr>
+          </a:p>
+          <a:p>
+            <a:pPr marL="0" indent="0">
+              <a:buNone/>
+            </a:pPr>
+            <a:endParaRPr lang="en-US" dirty="0">
+              <a:latin typeface="Iosevka NF" panose="02000509000000000000" pitchFamily="49" charset="0"/>
+              <a:ea typeface="Iosevka NF" panose="02000509000000000000" pitchFamily="49" charset="0"/>
+            </a:endParaRPr>
+          </a:p>
+          <a:p>
+            <a:pPr marL="0" indent="0">
+              <a:buNone/>
+            </a:pPr>
+            <a:endParaRPr lang="en-US" dirty="0">
+              <a:latin typeface="Iosevka NF" panose="02000509000000000000" pitchFamily="49" charset="0"/>
+              <a:ea typeface="Iosevka NF" panose="02000509000000000000" pitchFamily="49" charset="0"/>
+            </a:endParaRPr>
+          </a:p>
+          <a:p>
+            <a:pPr marL="0" indent="0">
+              <a:buNone/>
+            </a:pPr>
+            <a:endParaRPr lang="en-US" dirty="0">
+              <a:latin typeface="Iosevka NF" panose="02000509000000000000" pitchFamily="49" charset="0"/>
+              <a:ea typeface="Iosevka NF" panose="02000509000000000000" pitchFamily="49" charset="0"/>
+            </a:endParaRPr>
+          </a:p>
+          <a:p>
+            <a:pPr marL="0" indent="0">
+              <a:buNone/>
+            </a:pPr>
+            <a:endParaRPr lang="en-US" dirty="0">
+              <a:latin typeface="Iosevka NF" panose="02000509000000000000" pitchFamily="49" charset="0"/>
+              <a:ea typeface="Iosevka NF" panose="02000509000000000000" pitchFamily="49" charset="0"/>
+            </a:endParaRPr>
+          </a:p>
+          <a:p>
+            <a:pPr marL="0" indent="0">
+              <a:buNone/>
+            </a:pPr>
+            <a:r>
+              <a:rPr lang="en-US" dirty="0">
+                <a:latin typeface="Iosevka NF" panose="02000509000000000000" pitchFamily="49" charset="0"/>
+                <a:ea typeface="Iosevka NF" panose="02000509000000000000" pitchFamily="49" charset="0"/>
+              </a:rPr>
+              <a:t>x = 3</a:t>
+            </a:r>
+          </a:p>
+          <a:p>
+            <a:pPr marL="0" indent="0">
+              <a:buNone/>
+            </a:pPr>
+            <a:r>
+              <a:rPr lang="en-US" dirty="0">
+                <a:latin typeface="Iosevka NF" panose="02000509000000000000" pitchFamily="49" charset="0"/>
+                <a:ea typeface="Iosevka NF" panose="02000509000000000000" pitchFamily="49" charset="0"/>
+              </a:rPr>
+              <a:t>x = 4</a:t>
+            </a:r>
+          </a:p>
+          <a:p>
+            <a:pPr marL="0" indent="0">
+              <a:buNone/>
+            </a:pPr>
+            <a:r>
+              <a:rPr lang="en-US" dirty="0">
+                <a:latin typeface="Iosevka NF" panose="02000509000000000000" pitchFamily="49" charset="0"/>
+                <a:ea typeface="Iosevka NF" panose="02000509000000000000" pitchFamily="49" charset="0"/>
+              </a:rPr>
+              <a:t>y = x + 2 // 4 + 2!</a:t>
+            </a:r>
+          </a:p>
+          <a:p>
+            <a:pPr marL="0" indent="0">
+              <a:buNone/>
+            </a:pPr>
+            <a:endParaRPr lang="en-US" dirty="0">
+              <a:latin typeface="Iosevka NF" panose="02000509000000000000" pitchFamily="49" charset="0"/>
+              <a:ea typeface="Iosevka NF" panose="02000509000000000000" pitchFamily="49" charset="0"/>
+            </a:endParaRPr>
+          </a:p>
+          <a:p>
+            <a:pPr marL="0" indent="0">
+              <a:buNone/>
+            </a:pPr>
             <a:endParaRPr lang="en-US" dirty="0"/>
           </a:p>
         </p:txBody>
@@ -12614,21 +13145,21 @@
     </p:spTree>
     <p:extLst>
       <p:ext uri="{BB962C8B-B14F-4D97-AF65-F5344CB8AC3E}">
-        <p14:creationId xmlns:p14="http://schemas.microsoft.com/office/powerpoint/2010/main" val="106383111"/>
+        <p14:creationId xmlns:p14="http://schemas.microsoft.com/office/powerpoint/2010/main" val="3148421239"/>
       </p:ext>
     </p:extLst>
   </p:cSld>
   <p:clrMapOvr>
     <a:masterClrMapping/>
   </p:clrMapOvr>
-  <mc:AlternateContent xmlns:mc="http://schemas.openxmlformats.org/markup-compatibility/2006" xmlns:p159="http://schemas.microsoft.com/office/powerpoint/2015/09/main">
-    <mc:Choice Requires="p159">
-      <p:transition xmlns:p14="http://schemas.microsoft.com/office/powerpoint/2010/main" spd="slow" p14:dur="2000">
-        <p159:morph option="byObject"/>
+  <mc:AlternateContent xmlns:mc="http://schemas.openxmlformats.org/markup-compatibility/2006" xmlns:p14="http://schemas.microsoft.com/office/powerpoint/2010/main">
+    <mc:Choice Requires="p14">
+      <p:transition spd="med" p14:dur="700">
+        <p:fade/>
       </p:transition>
     </mc:Choice>
     <mc:Fallback xmlns="">
-      <p:transition spd="slow">
+      <p:transition spd="med">
         <p:fade/>
       </p:transition>
     </mc:Fallback>
@@ -15583,799 +16114,6 @@
           <p:cNvPr id="2" name="Title 1">
             <a:extLst>
               <a:ext uri="{FF2B5EF4-FFF2-40B4-BE49-F238E27FC236}">
-                <a16:creationId xmlns:a16="http://schemas.microsoft.com/office/drawing/2014/main" id="{4BF6F1EA-B94B-440E-A4CC-1C9B66FDA559}"/>
-              </a:ext>
-            </a:extLst>
-          </p:cNvPr>
-          <p:cNvSpPr>
-            <a:spLocks noGrp="1"/>
-          </p:cNvSpPr>
-          <p:nvPr>
-            <p:ph type="title"/>
-          </p:nvPr>
-        </p:nvSpPr>
-        <p:spPr/>
-        <p:txBody>
-          <a:bodyPr/>
-          <a:lstStyle/>
-          <a:p>
-            <a:r>
-              <a:rPr lang="en-US" dirty="0">
-                <a:latin typeface="Iosevka NF" panose="02000509000000000000" pitchFamily="49" charset="0"/>
-                <a:ea typeface="Iosevka NF" panose="02000509000000000000" pitchFamily="49" charset="0"/>
-              </a:rPr>
-              <a:t>x = 3; y = 3; x = 4; y = y + 2; </a:t>
-            </a:r>
-          </a:p>
-        </p:txBody>
-      </p:sp>
-      <p:sp>
-        <p:nvSpPr>
-          <p:cNvPr id="3" name="Content Placeholder 2">
-            <a:extLst>
-              <a:ext uri="{FF2B5EF4-FFF2-40B4-BE49-F238E27FC236}">
-                <a16:creationId xmlns:a16="http://schemas.microsoft.com/office/drawing/2014/main" id="{F15C0F6A-1E98-4218-851A-3809D6B42B08}"/>
-              </a:ext>
-            </a:extLst>
-          </p:cNvPr>
-          <p:cNvSpPr>
-            <a:spLocks noGrp="1"/>
-          </p:cNvSpPr>
-          <p:nvPr>
-            <p:ph idx="1"/>
-          </p:nvPr>
-        </p:nvSpPr>
-        <p:spPr/>
-        <p:txBody>
-          <a:bodyPr numCol="3"/>
-          <a:lstStyle/>
-          <a:p>
-            <a:pPr marL="0" indent="0">
-              <a:buNone/>
-            </a:pPr>
-            <a:r>
-              <a:rPr lang="en-US" dirty="0">
-                <a:latin typeface="Iosevka NF" panose="02000509000000000000" pitchFamily="49" charset="0"/>
-                <a:ea typeface="Iosevka NF" panose="02000509000000000000" pitchFamily="49" charset="0"/>
-              </a:rPr>
-              <a:t>x</a:t>
-            </a:r>
-            <a:r>
-              <a:rPr lang="en-US" baseline="-25000" dirty="0">
-                <a:latin typeface="Iosevka NF" panose="02000509000000000000" pitchFamily="49" charset="0"/>
-                <a:ea typeface="Iosevka NF" panose="02000509000000000000" pitchFamily="49" charset="0"/>
-              </a:rPr>
-              <a:t>0</a:t>
-            </a:r>
-            <a:r>
-              <a:rPr lang="en-US" dirty="0">
-                <a:latin typeface="Iosevka NF" panose="02000509000000000000" pitchFamily="49" charset="0"/>
-                <a:ea typeface="Iosevka NF" panose="02000509000000000000" pitchFamily="49" charset="0"/>
-              </a:rPr>
-              <a:t> = 3</a:t>
-            </a:r>
-          </a:p>
-          <a:p>
-            <a:pPr marL="0" indent="0">
-              <a:buNone/>
-            </a:pPr>
-            <a:r>
-              <a:rPr lang="en-US" dirty="0">
-                <a:latin typeface="Iosevka NF" panose="02000509000000000000" pitchFamily="49" charset="0"/>
-                <a:ea typeface="Iosevka NF" panose="02000509000000000000" pitchFamily="49" charset="0"/>
-              </a:rPr>
-              <a:t>y</a:t>
-            </a:r>
-            <a:r>
-              <a:rPr lang="en-US" baseline="-25000" dirty="0">
-                <a:latin typeface="Iosevka NF" panose="02000509000000000000" pitchFamily="49" charset="0"/>
-                <a:ea typeface="Iosevka NF" panose="02000509000000000000" pitchFamily="49" charset="0"/>
-              </a:rPr>
-              <a:t>0</a:t>
-            </a:r>
-            <a:r>
-              <a:rPr lang="en-US" dirty="0">
-                <a:latin typeface="Iosevka NF" panose="02000509000000000000" pitchFamily="49" charset="0"/>
-                <a:ea typeface="Iosevka NF" panose="02000509000000000000" pitchFamily="49" charset="0"/>
-              </a:rPr>
-              <a:t> = 3</a:t>
-            </a:r>
-          </a:p>
-          <a:p>
-            <a:pPr marL="0" indent="0">
-              <a:buNone/>
-            </a:pPr>
-            <a:r>
-              <a:rPr lang="en-US" dirty="0">
-                <a:latin typeface="Iosevka NF" panose="02000509000000000000" pitchFamily="49" charset="0"/>
-                <a:ea typeface="Iosevka NF" panose="02000509000000000000" pitchFamily="49" charset="0"/>
-              </a:rPr>
-              <a:t>x</a:t>
-            </a:r>
-            <a:r>
-              <a:rPr lang="en-US" baseline="-25000" dirty="0">
-                <a:latin typeface="Iosevka NF" panose="02000509000000000000" pitchFamily="49" charset="0"/>
-                <a:ea typeface="Iosevka NF" panose="02000509000000000000" pitchFamily="49" charset="0"/>
-              </a:rPr>
-              <a:t>1</a:t>
-            </a:r>
-            <a:r>
-              <a:rPr lang="en-US" dirty="0">
-                <a:latin typeface="Iosevka NF" panose="02000509000000000000" pitchFamily="49" charset="0"/>
-                <a:ea typeface="Iosevka NF" panose="02000509000000000000" pitchFamily="49" charset="0"/>
-              </a:rPr>
-              <a:t> = 4</a:t>
-            </a:r>
-          </a:p>
-          <a:p>
-            <a:pPr marL="0" indent="0">
-              <a:buNone/>
-            </a:pPr>
-            <a:r>
-              <a:rPr lang="en-US" dirty="0">
-                <a:latin typeface="Iosevka NF" panose="02000509000000000000" pitchFamily="49" charset="0"/>
-                <a:ea typeface="Iosevka NF" panose="02000509000000000000" pitchFamily="49" charset="0"/>
-              </a:rPr>
-              <a:t>y</a:t>
-            </a:r>
-            <a:r>
-              <a:rPr lang="en-US" baseline="-25000" dirty="0">
-                <a:latin typeface="Iosevka NF" panose="02000509000000000000" pitchFamily="49" charset="0"/>
-                <a:ea typeface="Iosevka NF" panose="02000509000000000000" pitchFamily="49" charset="0"/>
-              </a:rPr>
-              <a:t>1</a:t>
-            </a:r>
-            <a:r>
-              <a:rPr lang="en-US" dirty="0">
-                <a:latin typeface="Iosevka NF" panose="02000509000000000000" pitchFamily="49" charset="0"/>
-                <a:ea typeface="Iosevka NF" panose="02000509000000000000" pitchFamily="49" charset="0"/>
-              </a:rPr>
-              <a:t> = y</a:t>
-            </a:r>
-            <a:r>
-              <a:rPr lang="en-US" baseline="-25000" dirty="0">
-                <a:latin typeface="Iosevka NF" panose="02000509000000000000" pitchFamily="49" charset="0"/>
-                <a:ea typeface="Iosevka NF" panose="02000509000000000000" pitchFamily="49" charset="0"/>
-              </a:rPr>
-              <a:t>0</a:t>
-            </a:r>
-            <a:r>
-              <a:rPr lang="en-US" dirty="0">
-                <a:latin typeface="Iosevka NF" panose="02000509000000000000" pitchFamily="49" charset="0"/>
-                <a:ea typeface="Iosevka NF" panose="02000509000000000000" pitchFamily="49" charset="0"/>
-              </a:rPr>
-              <a:t> + 2</a:t>
-            </a:r>
-          </a:p>
-          <a:p>
-            <a:pPr marL="0" indent="0">
-              <a:buNone/>
-            </a:pPr>
-            <a:endParaRPr lang="en-US" dirty="0">
-              <a:latin typeface="Iosevka NF" panose="02000509000000000000" pitchFamily="49" charset="0"/>
-              <a:ea typeface="Iosevka NF" panose="02000509000000000000" pitchFamily="49" charset="0"/>
-            </a:endParaRPr>
-          </a:p>
-          <a:p>
-            <a:pPr marL="0" indent="0">
-              <a:buNone/>
-            </a:pPr>
-            <a:endParaRPr lang="en-US" dirty="0">
-              <a:latin typeface="Iosevka NF" panose="02000509000000000000" pitchFamily="49" charset="0"/>
-              <a:ea typeface="Iosevka NF" panose="02000509000000000000" pitchFamily="49" charset="0"/>
-            </a:endParaRPr>
-          </a:p>
-          <a:p>
-            <a:pPr marL="0" indent="0">
-              <a:buNone/>
-            </a:pPr>
-            <a:endParaRPr lang="en-US" dirty="0">
-              <a:latin typeface="Iosevka NF" panose="02000509000000000000" pitchFamily="49" charset="0"/>
-              <a:ea typeface="Iosevka NF" panose="02000509000000000000" pitchFamily="49" charset="0"/>
-            </a:endParaRPr>
-          </a:p>
-          <a:p>
-            <a:pPr marL="0" indent="0">
-              <a:buNone/>
-            </a:pPr>
-            <a:endParaRPr lang="en-US" dirty="0">
-              <a:latin typeface="Iosevka NF" panose="02000509000000000000" pitchFamily="49" charset="0"/>
-              <a:ea typeface="Iosevka NF" panose="02000509000000000000" pitchFamily="49" charset="0"/>
-            </a:endParaRPr>
-          </a:p>
-          <a:p>
-            <a:pPr marL="0" indent="0">
-              <a:buNone/>
-            </a:pPr>
-            <a:r>
-              <a:rPr lang="en-US" dirty="0">
-                <a:latin typeface="Iosevka NF" panose="02000509000000000000" pitchFamily="49" charset="0"/>
-                <a:ea typeface="Iosevka NF" panose="02000509000000000000" pitchFamily="49" charset="0"/>
-              </a:rPr>
-              <a:t>x</a:t>
-            </a:r>
-            <a:r>
-              <a:rPr lang="en-US" baseline="-25000" dirty="0">
-                <a:latin typeface="Iosevka NF" panose="02000509000000000000" pitchFamily="49" charset="0"/>
-                <a:ea typeface="Iosevka NF" panose="02000509000000000000" pitchFamily="49" charset="0"/>
-              </a:rPr>
-              <a:t>0</a:t>
-            </a:r>
-            <a:r>
-              <a:rPr lang="en-US" dirty="0">
-                <a:latin typeface="Iosevka NF" panose="02000509000000000000" pitchFamily="49" charset="0"/>
-                <a:ea typeface="Iosevka NF" panose="02000509000000000000" pitchFamily="49" charset="0"/>
-              </a:rPr>
-              <a:t> = 3</a:t>
-            </a:r>
-          </a:p>
-          <a:p>
-            <a:pPr marL="0" indent="0">
-              <a:buNone/>
-            </a:pPr>
-            <a:r>
-              <a:rPr lang="en-US" dirty="0">
-                <a:latin typeface="Iosevka NF" panose="02000509000000000000" pitchFamily="49" charset="0"/>
-                <a:ea typeface="Iosevka NF" panose="02000509000000000000" pitchFamily="49" charset="0"/>
-              </a:rPr>
-              <a:t>x</a:t>
-            </a:r>
-            <a:r>
-              <a:rPr lang="en-US" baseline="-25000" dirty="0">
-                <a:latin typeface="Iosevka NF" panose="02000509000000000000" pitchFamily="49" charset="0"/>
-                <a:ea typeface="Iosevka NF" panose="02000509000000000000" pitchFamily="49" charset="0"/>
-              </a:rPr>
-              <a:t>1</a:t>
-            </a:r>
-            <a:r>
-              <a:rPr lang="en-US" dirty="0">
-                <a:latin typeface="Iosevka NF" panose="02000509000000000000" pitchFamily="49" charset="0"/>
-                <a:ea typeface="Iosevka NF" panose="02000509000000000000" pitchFamily="49" charset="0"/>
-              </a:rPr>
-              <a:t> = 4</a:t>
-            </a:r>
-          </a:p>
-          <a:p>
-            <a:pPr marL="0" indent="0">
-              <a:buNone/>
-            </a:pPr>
-            <a:r>
-              <a:rPr lang="en-US" dirty="0">
-                <a:latin typeface="Iosevka NF" panose="02000509000000000000" pitchFamily="49" charset="0"/>
-                <a:ea typeface="Iosevka NF" panose="02000509000000000000" pitchFamily="49" charset="0"/>
-              </a:rPr>
-              <a:t>y</a:t>
-            </a:r>
-            <a:r>
-              <a:rPr lang="en-US" baseline="-25000" dirty="0">
-                <a:latin typeface="Iosevka NF" panose="02000509000000000000" pitchFamily="49" charset="0"/>
-                <a:ea typeface="Iosevka NF" panose="02000509000000000000" pitchFamily="49" charset="0"/>
-              </a:rPr>
-              <a:t>1</a:t>
-            </a:r>
-            <a:r>
-              <a:rPr lang="en-US" dirty="0">
-                <a:latin typeface="Iosevka NF" panose="02000509000000000000" pitchFamily="49" charset="0"/>
-                <a:ea typeface="Iosevka NF" panose="02000509000000000000" pitchFamily="49" charset="0"/>
-              </a:rPr>
-              <a:t> = x</a:t>
-            </a:r>
-            <a:r>
-              <a:rPr lang="en-US" baseline="-25000" dirty="0">
-                <a:latin typeface="Iosevka NF" panose="02000509000000000000" pitchFamily="49" charset="0"/>
-                <a:ea typeface="Iosevka NF" panose="02000509000000000000" pitchFamily="49" charset="0"/>
-              </a:rPr>
-              <a:t>0</a:t>
-            </a:r>
-            <a:r>
-              <a:rPr lang="en-US" dirty="0">
-                <a:latin typeface="Iosevka NF" panose="02000509000000000000" pitchFamily="49" charset="0"/>
-                <a:ea typeface="Iosevka NF" panose="02000509000000000000" pitchFamily="49" charset="0"/>
-              </a:rPr>
-              <a:t> + 2</a:t>
-            </a:r>
-          </a:p>
-          <a:p>
-            <a:pPr marL="0" indent="0">
-              <a:buNone/>
-            </a:pPr>
-            <a:endParaRPr lang="en-US" dirty="0">
-              <a:latin typeface="Iosevka NF" panose="02000509000000000000" pitchFamily="49" charset="0"/>
-              <a:ea typeface="Iosevka NF" panose="02000509000000000000" pitchFamily="49" charset="0"/>
-            </a:endParaRPr>
-          </a:p>
-          <a:p>
-            <a:pPr marL="0" indent="0">
-              <a:buNone/>
-            </a:pPr>
-            <a:endParaRPr lang="en-US" dirty="0"/>
-          </a:p>
-        </p:txBody>
-      </p:sp>
-    </p:spTree>
-    <p:extLst>
-      <p:ext uri="{BB962C8B-B14F-4D97-AF65-F5344CB8AC3E}">
-        <p14:creationId xmlns:p14="http://schemas.microsoft.com/office/powerpoint/2010/main" val="2707543928"/>
-      </p:ext>
-    </p:extLst>
-  </p:cSld>
-  <p:clrMapOvr>
-    <a:masterClrMapping/>
-  </p:clrMapOvr>
-  <mc:AlternateContent xmlns:mc="http://schemas.openxmlformats.org/markup-compatibility/2006" xmlns:p14="http://schemas.microsoft.com/office/powerpoint/2010/main">
-    <mc:Choice Requires="p14">
-      <p:transition spd="med" p14:dur="700">
-        <p:fade/>
-      </p:transition>
-    </mc:Choice>
-    <mc:Fallback xmlns="">
-      <p:transition spd="med">
-        <p:fade/>
-      </p:transition>
-    </mc:Fallback>
-  </mc:AlternateContent>
-</p:sld>
-</file>
-
-<file path=ppt/slides/slide41.xml><?xml version="1.0" encoding="utf-8"?>
-<p:sld xmlns:a="http://schemas.openxmlformats.org/drawingml/2006/main" xmlns:r="http://schemas.openxmlformats.org/officeDocument/2006/relationships" xmlns:p="http://schemas.openxmlformats.org/presentationml/2006/main">
-  <p:cSld>
-    <p:spTree>
-      <p:nvGrpSpPr>
-        <p:cNvPr id="1" name=""/>
-        <p:cNvGrpSpPr/>
-        <p:nvPr/>
-      </p:nvGrpSpPr>
-      <p:grpSpPr>
-        <a:xfrm>
-          <a:off x="0" y="0"/>
-          <a:ext cx="0" cy="0"/>
-          <a:chOff x="0" y="0"/>
-          <a:chExt cx="0" cy="0"/>
-        </a:xfrm>
-      </p:grpSpPr>
-      <p:sp>
-        <p:nvSpPr>
-          <p:cNvPr id="2" name="Title 1">
-            <a:extLst>
-              <a:ext uri="{FF2B5EF4-FFF2-40B4-BE49-F238E27FC236}">
-                <a16:creationId xmlns:a16="http://schemas.microsoft.com/office/drawing/2014/main" id="{4BF6F1EA-B94B-440E-A4CC-1C9B66FDA559}"/>
-              </a:ext>
-            </a:extLst>
-          </p:cNvPr>
-          <p:cNvSpPr>
-            <a:spLocks noGrp="1"/>
-          </p:cNvSpPr>
-          <p:nvPr>
-            <p:ph type="title"/>
-          </p:nvPr>
-        </p:nvSpPr>
-        <p:spPr/>
-        <p:txBody>
-          <a:bodyPr/>
-          <a:lstStyle/>
-          <a:p>
-            <a:r>
-              <a:rPr lang="en-US" dirty="0">
-                <a:latin typeface="Iosevka NF" panose="02000509000000000000" pitchFamily="49" charset="0"/>
-                <a:ea typeface="Iosevka NF" panose="02000509000000000000" pitchFamily="49" charset="0"/>
-              </a:rPr>
-              <a:t>x = 3; y = 3; x = 4; y = y + 2; </a:t>
-            </a:r>
-          </a:p>
-        </p:txBody>
-      </p:sp>
-      <p:sp>
-        <p:nvSpPr>
-          <p:cNvPr id="3" name="Content Placeholder 2">
-            <a:extLst>
-              <a:ext uri="{FF2B5EF4-FFF2-40B4-BE49-F238E27FC236}">
-                <a16:creationId xmlns:a16="http://schemas.microsoft.com/office/drawing/2014/main" id="{F15C0F6A-1E98-4218-851A-3809D6B42B08}"/>
-              </a:ext>
-            </a:extLst>
-          </p:cNvPr>
-          <p:cNvSpPr>
-            <a:spLocks noGrp="1"/>
-          </p:cNvSpPr>
-          <p:nvPr>
-            <p:ph idx="1"/>
-          </p:nvPr>
-        </p:nvSpPr>
-        <p:spPr/>
-        <p:txBody>
-          <a:bodyPr numCol="3"/>
-          <a:lstStyle/>
-          <a:p>
-            <a:pPr marL="0" indent="0">
-              <a:buNone/>
-            </a:pPr>
-            <a:r>
-              <a:rPr lang="en-US" dirty="0">
-                <a:latin typeface="Iosevka NF" panose="02000509000000000000" pitchFamily="49" charset="0"/>
-                <a:ea typeface="Iosevka NF" panose="02000509000000000000" pitchFamily="49" charset="0"/>
-              </a:rPr>
-              <a:t>x</a:t>
-            </a:r>
-            <a:r>
-              <a:rPr lang="en-US" baseline="-25000" dirty="0">
-                <a:latin typeface="Iosevka NF" panose="02000509000000000000" pitchFamily="49" charset="0"/>
-                <a:ea typeface="Iosevka NF" panose="02000509000000000000" pitchFamily="49" charset="0"/>
-              </a:rPr>
-              <a:t>0</a:t>
-            </a:r>
-            <a:r>
-              <a:rPr lang="en-US" dirty="0">
-                <a:latin typeface="Iosevka NF" panose="02000509000000000000" pitchFamily="49" charset="0"/>
-                <a:ea typeface="Iosevka NF" panose="02000509000000000000" pitchFamily="49" charset="0"/>
-              </a:rPr>
-              <a:t> = 3</a:t>
-            </a:r>
-          </a:p>
-          <a:p>
-            <a:pPr marL="0" indent="0">
-              <a:buNone/>
-            </a:pPr>
-            <a:r>
-              <a:rPr lang="en-US" dirty="0">
-                <a:latin typeface="Iosevka NF" panose="02000509000000000000" pitchFamily="49" charset="0"/>
-                <a:ea typeface="Iosevka NF" panose="02000509000000000000" pitchFamily="49" charset="0"/>
-              </a:rPr>
-              <a:t>y</a:t>
-            </a:r>
-            <a:r>
-              <a:rPr lang="en-US" baseline="-25000" dirty="0">
-                <a:latin typeface="Iosevka NF" panose="02000509000000000000" pitchFamily="49" charset="0"/>
-                <a:ea typeface="Iosevka NF" panose="02000509000000000000" pitchFamily="49" charset="0"/>
-              </a:rPr>
-              <a:t>0</a:t>
-            </a:r>
-            <a:r>
-              <a:rPr lang="en-US" dirty="0">
-                <a:latin typeface="Iosevka NF" panose="02000509000000000000" pitchFamily="49" charset="0"/>
-                <a:ea typeface="Iosevka NF" panose="02000509000000000000" pitchFamily="49" charset="0"/>
-              </a:rPr>
-              <a:t> = 3</a:t>
-            </a:r>
-          </a:p>
-          <a:p>
-            <a:pPr marL="0" indent="0">
-              <a:buNone/>
-            </a:pPr>
-            <a:r>
-              <a:rPr lang="en-US" dirty="0">
-                <a:latin typeface="Iosevka NF" panose="02000509000000000000" pitchFamily="49" charset="0"/>
-                <a:ea typeface="Iosevka NF" panose="02000509000000000000" pitchFamily="49" charset="0"/>
-              </a:rPr>
-              <a:t>x</a:t>
-            </a:r>
-            <a:r>
-              <a:rPr lang="en-US" baseline="-25000" dirty="0">
-                <a:latin typeface="Iosevka NF" panose="02000509000000000000" pitchFamily="49" charset="0"/>
-                <a:ea typeface="Iosevka NF" panose="02000509000000000000" pitchFamily="49" charset="0"/>
-              </a:rPr>
-              <a:t>1</a:t>
-            </a:r>
-            <a:r>
-              <a:rPr lang="en-US" dirty="0">
-                <a:latin typeface="Iosevka NF" panose="02000509000000000000" pitchFamily="49" charset="0"/>
-                <a:ea typeface="Iosevka NF" panose="02000509000000000000" pitchFamily="49" charset="0"/>
-              </a:rPr>
-              <a:t> = 4</a:t>
-            </a:r>
-          </a:p>
-          <a:p>
-            <a:pPr marL="0" indent="0">
-              <a:buNone/>
-            </a:pPr>
-            <a:r>
-              <a:rPr lang="en-US" dirty="0">
-                <a:latin typeface="Iosevka NF" panose="02000509000000000000" pitchFamily="49" charset="0"/>
-                <a:ea typeface="Iosevka NF" panose="02000509000000000000" pitchFamily="49" charset="0"/>
-              </a:rPr>
-              <a:t>y</a:t>
-            </a:r>
-            <a:r>
-              <a:rPr lang="en-US" baseline="-25000" dirty="0">
-                <a:latin typeface="Iosevka NF" panose="02000509000000000000" pitchFamily="49" charset="0"/>
-                <a:ea typeface="Iosevka NF" panose="02000509000000000000" pitchFamily="49" charset="0"/>
-              </a:rPr>
-              <a:t>1</a:t>
-            </a:r>
-            <a:r>
-              <a:rPr lang="en-US" dirty="0">
-                <a:latin typeface="Iosevka NF" panose="02000509000000000000" pitchFamily="49" charset="0"/>
-                <a:ea typeface="Iosevka NF" panose="02000509000000000000" pitchFamily="49" charset="0"/>
-              </a:rPr>
-              <a:t> = y</a:t>
-            </a:r>
-            <a:r>
-              <a:rPr lang="en-US" baseline="-25000" dirty="0">
-                <a:latin typeface="Iosevka NF" panose="02000509000000000000" pitchFamily="49" charset="0"/>
-                <a:ea typeface="Iosevka NF" panose="02000509000000000000" pitchFamily="49" charset="0"/>
-              </a:rPr>
-              <a:t>0</a:t>
-            </a:r>
-            <a:r>
-              <a:rPr lang="en-US" dirty="0">
-                <a:latin typeface="Iosevka NF" panose="02000509000000000000" pitchFamily="49" charset="0"/>
-                <a:ea typeface="Iosevka NF" panose="02000509000000000000" pitchFamily="49" charset="0"/>
-              </a:rPr>
-              <a:t> + 2</a:t>
-            </a:r>
-          </a:p>
-          <a:p>
-            <a:pPr marL="0" indent="0">
-              <a:buNone/>
-            </a:pPr>
-            <a:endParaRPr lang="en-US" dirty="0">
-              <a:latin typeface="Iosevka NF" panose="02000509000000000000" pitchFamily="49" charset="0"/>
-              <a:ea typeface="Iosevka NF" panose="02000509000000000000" pitchFamily="49" charset="0"/>
-            </a:endParaRPr>
-          </a:p>
-          <a:p>
-            <a:pPr marL="0" indent="0">
-              <a:buNone/>
-            </a:pPr>
-            <a:endParaRPr lang="en-US" dirty="0">
-              <a:latin typeface="Iosevka NF" panose="02000509000000000000" pitchFamily="49" charset="0"/>
-              <a:ea typeface="Iosevka NF" panose="02000509000000000000" pitchFamily="49" charset="0"/>
-            </a:endParaRPr>
-          </a:p>
-          <a:p>
-            <a:pPr marL="0" indent="0">
-              <a:buNone/>
-            </a:pPr>
-            <a:endParaRPr lang="en-US" dirty="0">
-              <a:latin typeface="Iosevka NF" panose="02000509000000000000" pitchFamily="49" charset="0"/>
-              <a:ea typeface="Iosevka NF" panose="02000509000000000000" pitchFamily="49" charset="0"/>
-            </a:endParaRPr>
-          </a:p>
-          <a:p>
-            <a:pPr marL="0" indent="0">
-              <a:buNone/>
-            </a:pPr>
-            <a:endParaRPr lang="en-US" dirty="0">
-              <a:latin typeface="Iosevka NF" panose="02000509000000000000" pitchFamily="49" charset="0"/>
-              <a:ea typeface="Iosevka NF" panose="02000509000000000000" pitchFamily="49" charset="0"/>
-            </a:endParaRPr>
-          </a:p>
-          <a:p>
-            <a:pPr marL="0" indent="0">
-              <a:buNone/>
-            </a:pPr>
-            <a:r>
-              <a:rPr lang="en-US" dirty="0">
-                <a:latin typeface="Iosevka NF" panose="02000509000000000000" pitchFamily="49" charset="0"/>
-                <a:ea typeface="Iosevka NF" panose="02000509000000000000" pitchFamily="49" charset="0"/>
-              </a:rPr>
-              <a:t>x</a:t>
-            </a:r>
-            <a:r>
-              <a:rPr lang="en-US" baseline="-25000" dirty="0">
-                <a:latin typeface="Iosevka NF" panose="02000509000000000000" pitchFamily="49" charset="0"/>
-                <a:ea typeface="Iosevka NF" panose="02000509000000000000" pitchFamily="49" charset="0"/>
-              </a:rPr>
-              <a:t>0</a:t>
-            </a:r>
-            <a:r>
-              <a:rPr lang="en-US" dirty="0">
-                <a:latin typeface="Iosevka NF" panose="02000509000000000000" pitchFamily="49" charset="0"/>
-                <a:ea typeface="Iosevka NF" panose="02000509000000000000" pitchFamily="49" charset="0"/>
-              </a:rPr>
-              <a:t> = 3</a:t>
-            </a:r>
-          </a:p>
-          <a:p>
-            <a:pPr marL="0" indent="0">
-              <a:buNone/>
-            </a:pPr>
-            <a:r>
-              <a:rPr lang="en-US" dirty="0">
-                <a:latin typeface="Iosevka NF" panose="02000509000000000000" pitchFamily="49" charset="0"/>
-                <a:ea typeface="Iosevka NF" panose="02000509000000000000" pitchFamily="49" charset="0"/>
-              </a:rPr>
-              <a:t>x</a:t>
-            </a:r>
-            <a:r>
-              <a:rPr lang="en-US" baseline="-25000" dirty="0">
-                <a:latin typeface="Iosevka NF" panose="02000509000000000000" pitchFamily="49" charset="0"/>
-                <a:ea typeface="Iosevka NF" panose="02000509000000000000" pitchFamily="49" charset="0"/>
-              </a:rPr>
-              <a:t>1</a:t>
-            </a:r>
-            <a:r>
-              <a:rPr lang="en-US" dirty="0">
-                <a:latin typeface="Iosevka NF" panose="02000509000000000000" pitchFamily="49" charset="0"/>
-                <a:ea typeface="Iosevka NF" panose="02000509000000000000" pitchFamily="49" charset="0"/>
-              </a:rPr>
-              <a:t> = 4</a:t>
-            </a:r>
-          </a:p>
-          <a:p>
-            <a:pPr marL="0" indent="0">
-              <a:buNone/>
-            </a:pPr>
-            <a:r>
-              <a:rPr lang="en-US" dirty="0">
-                <a:latin typeface="Iosevka NF" panose="02000509000000000000" pitchFamily="49" charset="0"/>
-                <a:ea typeface="Iosevka NF" panose="02000509000000000000" pitchFamily="49" charset="0"/>
-              </a:rPr>
-              <a:t>y</a:t>
-            </a:r>
-            <a:r>
-              <a:rPr lang="en-US" baseline="-25000" dirty="0">
-                <a:latin typeface="Iosevka NF" panose="02000509000000000000" pitchFamily="49" charset="0"/>
-                <a:ea typeface="Iosevka NF" panose="02000509000000000000" pitchFamily="49" charset="0"/>
-              </a:rPr>
-              <a:t>1</a:t>
-            </a:r>
-            <a:r>
-              <a:rPr lang="en-US" dirty="0">
-                <a:latin typeface="Iosevka NF" panose="02000509000000000000" pitchFamily="49" charset="0"/>
-                <a:ea typeface="Iosevka NF" panose="02000509000000000000" pitchFamily="49" charset="0"/>
-              </a:rPr>
-              <a:t> = x</a:t>
-            </a:r>
-            <a:r>
-              <a:rPr lang="en-US" baseline="-25000" dirty="0">
-                <a:latin typeface="Iosevka NF" panose="02000509000000000000" pitchFamily="49" charset="0"/>
-                <a:ea typeface="Iosevka NF" panose="02000509000000000000" pitchFamily="49" charset="0"/>
-              </a:rPr>
-              <a:t>0</a:t>
-            </a:r>
-            <a:r>
-              <a:rPr lang="en-US" dirty="0">
-                <a:latin typeface="Iosevka NF" panose="02000509000000000000" pitchFamily="49" charset="0"/>
-                <a:ea typeface="Iosevka NF" panose="02000509000000000000" pitchFamily="49" charset="0"/>
-              </a:rPr>
-              <a:t> + 2</a:t>
-            </a:r>
-          </a:p>
-          <a:p>
-            <a:pPr marL="0" indent="0">
-              <a:buNone/>
-            </a:pPr>
-            <a:endParaRPr lang="en-US" dirty="0">
-              <a:latin typeface="Iosevka NF" panose="02000509000000000000" pitchFamily="49" charset="0"/>
-              <a:ea typeface="Iosevka NF" panose="02000509000000000000" pitchFamily="49" charset="0"/>
-            </a:endParaRPr>
-          </a:p>
-          <a:p>
-            <a:pPr marL="0" indent="0">
-              <a:buNone/>
-            </a:pPr>
-            <a:endParaRPr lang="en-US" dirty="0">
-              <a:latin typeface="Iosevka NF" panose="02000509000000000000" pitchFamily="49" charset="0"/>
-              <a:ea typeface="Iosevka NF" panose="02000509000000000000" pitchFamily="49" charset="0"/>
-            </a:endParaRPr>
-          </a:p>
-          <a:p>
-            <a:pPr marL="0" indent="0">
-              <a:buNone/>
-            </a:pPr>
-            <a:endParaRPr lang="en-US" dirty="0">
-              <a:latin typeface="Iosevka NF" panose="02000509000000000000" pitchFamily="49" charset="0"/>
-              <a:ea typeface="Iosevka NF" panose="02000509000000000000" pitchFamily="49" charset="0"/>
-            </a:endParaRPr>
-          </a:p>
-          <a:p>
-            <a:pPr marL="0" indent="0">
-              <a:buNone/>
-            </a:pPr>
-            <a:endParaRPr lang="en-US" dirty="0">
-              <a:latin typeface="Iosevka NF" panose="02000509000000000000" pitchFamily="49" charset="0"/>
-              <a:ea typeface="Iosevka NF" panose="02000509000000000000" pitchFamily="49" charset="0"/>
-            </a:endParaRPr>
-          </a:p>
-          <a:p>
-            <a:pPr marL="0" indent="0">
-              <a:buNone/>
-            </a:pPr>
-            <a:endParaRPr lang="en-US" dirty="0">
-              <a:latin typeface="Iosevka NF" panose="02000509000000000000" pitchFamily="49" charset="0"/>
-              <a:ea typeface="Iosevka NF" panose="02000509000000000000" pitchFamily="49" charset="0"/>
-            </a:endParaRPr>
-          </a:p>
-          <a:p>
-            <a:pPr marL="0" indent="0">
-              <a:buNone/>
-            </a:pPr>
-            <a:r>
-              <a:rPr lang="en-US" dirty="0">
-                <a:latin typeface="Iosevka NF" panose="02000509000000000000" pitchFamily="49" charset="0"/>
-                <a:ea typeface="Iosevka NF" panose="02000509000000000000" pitchFamily="49" charset="0"/>
-              </a:rPr>
-              <a:t>x = 3</a:t>
-            </a:r>
-          </a:p>
-          <a:p>
-            <a:pPr marL="0" indent="0">
-              <a:buNone/>
-            </a:pPr>
-            <a:r>
-              <a:rPr lang="en-US" dirty="0">
-                <a:latin typeface="Iosevka NF" panose="02000509000000000000" pitchFamily="49" charset="0"/>
-                <a:ea typeface="Iosevka NF" panose="02000509000000000000" pitchFamily="49" charset="0"/>
-              </a:rPr>
-              <a:t>x = 4</a:t>
-            </a:r>
-          </a:p>
-          <a:p>
-            <a:pPr marL="0" indent="0">
-              <a:buNone/>
-            </a:pPr>
-            <a:r>
-              <a:rPr lang="en-US" dirty="0">
-                <a:latin typeface="Iosevka NF" panose="02000509000000000000" pitchFamily="49" charset="0"/>
-                <a:ea typeface="Iosevka NF" panose="02000509000000000000" pitchFamily="49" charset="0"/>
-              </a:rPr>
-              <a:t>y = x + 2 // 4 + 2!</a:t>
-            </a:r>
-          </a:p>
-          <a:p>
-            <a:pPr marL="0" indent="0">
-              <a:buNone/>
-            </a:pPr>
-            <a:endParaRPr lang="en-US" dirty="0">
-              <a:latin typeface="Iosevka NF" panose="02000509000000000000" pitchFamily="49" charset="0"/>
-              <a:ea typeface="Iosevka NF" panose="02000509000000000000" pitchFamily="49" charset="0"/>
-            </a:endParaRPr>
-          </a:p>
-          <a:p>
-            <a:pPr marL="0" indent="0">
-              <a:buNone/>
-            </a:pPr>
-            <a:endParaRPr lang="en-US" dirty="0"/>
-          </a:p>
-        </p:txBody>
-      </p:sp>
-    </p:spTree>
-    <p:extLst>
-      <p:ext uri="{BB962C8B-B14F-4D97-AF65-F5344CB8AC3E}">
-        <p14:creationId xmlns:p14="http://schemas.microsoft.com/office/powerpoint/2010/main" val="3148421239"/>
-      </p:ext>
-    </p:extLst>
-  </p:cSld>
-  <p:clrMapOvr>
-    <a:masterClrMapping/>
-  </p:clrMapOvr>
-  <mc:AlternateContent xmlns:mc="http://schemas.openxmlformats.org/markup-compatibility/2006" xmlns:p14="http://schemas.microsoft.com/office/powerpoint/2010/main">
-    <mc:Choice Requires="p14">
-      <p:transition spd="med" p14:dur="700">
-        <p:fade/>
-      </p:transition>
-    </mc:Choice>
-    <mc:Fallback xmlns="">
-      <p:transition spd="med">
-        <p:fade/>
-      </p:transition>
-    </mc:Fallback>
-  </mc:AlternateContent>
-</p:sld>
-</file>
-
-<file path=ppt/slides/slide42.xml><?xml version="1.0" encoding="utf-8"?>
-<p:sld xmlns:a="http://schemas.openxmlformats.org/drawingml/2006/main" xmlns:r="http://schemas.openxmlformats.org/officeDocument/2006/relationships" xmlns:p="http://schemas.openxmlformats.org/presentationml/2006/main">
-  <p:cSld>
-    <p:spTree>
-      <p:nvGrpSpPr>
-        <p:cNvPr id="1" name=""/>
-        <p:cNvGrpSpPr/>
-        <p:nvPr/>
-      </p:nvGrpSpPr>
-      <p:grpSpPr>
-        <a:xfrm>
-          <a:off x="0" y="0"/>
-          <a:ext cx="0" cy="0"/>
-          <a:chOff x="0" y="0"/>
-          <a:chExt cx="0" cy="0"/>
-        </a:xfrm>
-      </p:grpSpPr>
-      <p:sp>
-        <p:nvSpPr>
-          <p:cNvPr id="2" name="Title 1">
-            <a:extLst>
-              <a:ext uri="{FF2B5EF4-FFF2-40B4-BE49-F238E27FC236}">
                 <a16:creationId xmlns:a16="http://schemas.microsoft.com/office/drawing/2014/main" id="{0DFB95DF-3694-4C7A-BBD2-2E0FD57ACBA2}"/>
               </a:ext>
             </a:extLst>
@@ -16468,7 +16206,7 @@
 </p:sld>
 </file>
 
-<file path=ppt/slides/slide43.xml><?xml version="1.0" encoding="utf-8"?>
+<file path=ppt/slides/slide41.xml><?xml version="1.0" encoding="utf-8"?>
 <p:sld xmlns:a="http://schemas.openxmlformats.org/drawingml/2006/main" xmlns:r="http://schemas.openxmlformats.org/officeDocument/2006/relationships" xmlns:p="http://schemas.openxmlformats.org/presentationml/2006/main">
   <p:cSld>
     <p:spTree>
@@ -16838,7 +16576,7 @@
 </p:sld>
 </file>
 
-<file path=ppt/slides/slide44.xml><?xml version="1.0" encoding="utf-8"?>
+<file path=ppt/slides/slide42.xml><?xml version="1.0" encoding="utf-8"?>
 <p:sld xmlns:a="http://schemas.openxmlformats.org/drawingml/2006/main" xmlns:r="http://schemas.openxmlformats.org/officeDocument/2006/relationships" xmlns:p="http://schemas.openxmlformats.org/presentationml/2006/main">
   <p:cSld>
     <p:spTree>
@@ -17250,7 +16988,7 @@
 </p:sld>
 </file>
 
-<file path=ppt/slides/slide45.xml><?xml version="1.0" encoding="utf-8"?>
+<file path=ppt/slides/slide43.xml><?xml version="1.0" encoding="utf-8"?>
 <p:sld xmlns:a="http://schemas.openxmlformats.org/drawingml/2006/main" xmlns:r="http://schemas.openxmlformats.org/officeDocument/2006/relationships" xmlns:p="http://schemas.openxmlformats.org/presentationml/2006/main">
   <p:cSld>
     <p:spTree>
@@ -17623,7 +17361,7 @@
 </p:sld>
 </file>
 
-<file path=ppt/slides/slide46.xml><?xml version="1.0" encoding="utf-8"?>
+<file path=ppt/slides/slide44.xml><?xml version="1.0" encoding="utf-8"?>
 <p:sld xmlns:a="http://schemas.openxmlformats.org/drawingml/2006/main" xmlns:r="http://schemas.openxmlformats.org/officeDocument/2006/relationships" xmlns:p="http://schemas.openxmlformats.org/presentationml/2006/main">
   <p:cSld>
     <p:spTree>
@@ -17911,7 +17649,7 @@
 </p:sld>
 </file>
 
-<file path=ppt/slides/slide47.xml><?xml version="1.0" encoding="utf-8"?>
+<file path=ppt/slides/slide45.xml><?xml version="1.0" encoding="utf-8"?>
 <p:sld xmlns:a="http://schemas.openxmlformats.org/drawingml/2006/main" xmlns:r="http://schemas.openxmlformats.org/officeDocument/2006/relationships" xmlns:p="http://schemas.openxmlformats.org/presentationml/2006/main">
   <p:cSld>
     <p:spTree>
@@ -18489,6 +18227,244 @@
 </p:sld>
 </file>
 
+<file path=ppt/slides/slide46.xml><?xml version="1.0" encoding="utf-8"?>
+<p:sld xmlns:a="http://schemas.openxmlformats.org/drawingml/2006/main" xmlns:r="http://schemas.openxmlformats.org/officeDocument/2006/relationships" xmlns:p="http://schemas.openxmlformats.org/presentationml/2006/main">
+  <p:cSld>
+    <p:spTree>
+      <p:nvGrpSpPr>
+        <p:cNvPr id="1" name=""/>
+        <p:cNvGrpSpPr/>
+        <p:nvPr/>
+      </p:nvGrpSpPr>
+      <p:grpSpPr>
+        <a:xfrm>
+          <a:off x="0" y="0"/>
+          <a:ext cx="0" cy="0"/>
+          <a:chOff x="0" y="0"/>
+          <a:chExt cx="0" cy="0"/>
+        </a:xfrm>
+      </p:grpSpPr>
+      <p:sp>
+        <p:nvSpPr>
+          <p:cNvPr id="2" name="Title 1">
+            <a:extLst>
+              <a:ext uri="{FF2B5EF4-FFF2-40B4-BE49-F238E27FC236}">
+                <a16:creationId xmlns:a16="http://schemas.microsoft.com/office/drawing/2014/main" id="{89A5F61F-8022-4D3C-802D-DEF494BFF2A4}"/>
+              </a:ext>
+            </a:extLst>
+          </p:cNvPr>
+          <p:cNvSpPr>
+            <a:spLocks noGrp="1"/>
+          </p:cNvSpPr>
+          <p:nvPr>
+            <p:ph type="title"/>
+          </p:nvPr>
+        </p:nvSpPr>
+        <p:spPr/>
+        <p:txBody>
+          <a:bodyPr/>
+          <a:lstStyle/>
+          <a:p>
+            <a:r>
+              <a:rPr lang="en-US" dirty="0"/>
+              <a:t>Swap Problem</a:t>
+            </a:r>
+          </a:p>
+        </p:txBody>
+      </p:sp>
+      <p:sp>
+        <p:nvSpPr>
+          <p:cNvPr id="3" name="Content Placeholder 2">
+            <a:extLst>
+              <a:ext uri="{FF2B5EF4-FFF2-40B4-BE49-F238E27FC236}">
+                <a16:creationId xmlns:a16="http://schemas.microsoft.com/office/drawing/2014/main" id="{50A0A14B-47F0-4F14-AD0F-A6A21C79774E}"/>
+              </a:ext>
+            </a:extLst>
+          </p:cNvPr>
+          <p:cNvSpPr>
+            <a:spLocks noGrp="1"/>
+          </p:cNvSpPr>
+          <p:nvPr>
+            <p:ph idx="1"/>
+          </p:nvPr>
+        </p:nvSpPr>
+        <p:spPr/>
+        <p:txBody>
+          <a:bodyPr/>
+          <a:lstStyle/>
+          <a:p>
+            <a:endParaRPr lang="en-US" dirty="0"/>
+          </a:p>
+          <a:p>
+            <a:r>
+              <a:rPr lang="en-US" dirty="0"/>
+              <a:t>multiple phi nodes “execute” all in parallel</a:t>
+            </a:r>
+          </a:p>
+          <a:p>
+            <a:endParaRPr lang="en-US" dirty="0"/>
+          </a:p>
+          <a:p>
+            <a:r>
+              <a:rPr lang="en-US" dirty="0"/>
+              <a:t>placing copies means sequential execution, which may cause problems</a:t>
+            </a:r>
+          </a:p>
+        </p:txBody>
+      </p:sp>
+    </p:spTree>
+    <p:extLst>
+      <p:ext uri="{BB962C8B-B14F-4D97-AF65-F5344CB8AC3E}">
+        <p14:creationId xmlns:p14="http://schemas.microsoft.com/office/powerpoint/2010/main" val="3957107378"/>
+      </p:ext>
+    </p:extLst>
+  </p:cSld>
+  <p:clrMapOvr>
+    <a:masterClrMapping/>
+  </p:clrMapOvr>
+  <mc:AlternateContent xmlns:mc="http://schemas.openxmlformats.org/markup-compatibility/2006" xmlns:p159="http://schemas.microsoft.com/office/powerpoint/2015/09/main">
+    <mc:Choice Requires="p159">
+      <p:transition xmlns:p14="http://schemas.microsoft.com/office/powerpoint/2010/main" spd="slow" p14:dur="2000">
+        <p159:morph option="byObject"/>
+      </p:transition>
+    </mc:Choice>
+    <mc:Fallback xmlns="">
+      <p:transition spd="slow">
+        <p:fade/>
+      </p:transition>
+    </mc:Fallback>
+  </mc:AlternateContent>
+</p:sld>
+</file>
+
+<file path=ppt/slides/slide47.xml><?xml version="1.0" encoding="utf-8"?>
+<p:sld xmlns:a="http://schemas.openxmlformats.org/drawingml/2006/main" xmlns:r="http://schemas.openxmlformats.org/officeDocument/2006/relationships" xmlns:p="http://schemas.openxmlformats.org/presentationml/2006/main">
+  <p:cSld>
+    <p:spTree>
+      <p:nvGrpSpPr>
+        <p:cNvPr id="1" name=""/>
+        <p:cNvGrpSpPr/>
+        <p:nvPr/>
+      </p:nvGrpSpPr>
+      <p:grpSpPr>
+        <a:xfrm>
+          <a:off x="0" y="0"/>
+          <a:ext cx="0" cy="0"/>
+          <a:chOff x="0" y="0"/>
+          <a:chExt cx="0" cy="0"/>
+        </a:xfrm>
+      </p:grpSpPr>
+      <p:sp>
+        <p:nvSpPr>
+          <p:cNvPr id="2" name="Title 1">
+            <a:extLst>
+              <a:ext uri="{FF2B5EF4-FFF2-40B4-BE49-F238E27FC236}">
+                <a16:creationId xmlns:a16="http://schemas.microsoft.com/office/drawing/2014/main" id="{4BF53CC8-2C56-44C7-A6E3-B5D3CE7CD62A}"/>
+              </a:ext>
+            </a:extLst>
+          </p:cNvPr>
+          <p:cNvSpPr>
+            <a:spLocks noGrp="1"/>
+          </p:cNvSpPr>
+          <p:nvPr>
+            <p:ph type="title"/>
+          </p:nvPr>
+        </p:nvSpPr>
+        <p:spPr/>
+        <p:txBody>
+          <a:bodyPr/>
+          <a:lstStyle/>
+          <a:p>
+            <a:r>
+              <a:rPr lang="en-US" dirty="0"/>
+              <a:t>SSA </a:t>
+            </a:r>
+          </a:p>
+        </p:txBody>
+      </p:sp>
+      <p:sp>
+        <p:nvSpPr>
+          <p:cNvPr id="3" name="Content Placeholder 2">
+            <a:extLst>
+              <a:ext uri="{FF2B5EF4-FFF2-40B4-BE49-F238E27FC236}">
+                <a16:creationId xmlns:a16="http://schemas.microsoft.com/office/drawing/2014/main" id="{6BD5349C-32B0-4ECC-A7F6-4E718F7544E9}"/>
+              </a:ext>
+            </a:extLst>
+          </p:cNvPr>
+          <p:cNvSpPr>
+            <a:spLocks noGrp="1"/>
+          </p:cNvSpPr>
+          <p:nvPr>
+            <p:ph idx="1"/>
+          </p:nvPr>
+        </p:nvSpPr>
+        <p:spPr/>
+        <p:txBody>
+          <a:bodyPr/>
+          <a:lstStyle/>
+          <a:p>
+            <a:r>
+              <a:rPr lang="en-US" dirty="0"/>
+              <a:t>powerful representation with huge benefits for optimizing compilers</a:t>
+            </a:r>
+          </a:p>
+          <a:p>
+            <a:endParaRPr lang="en-US" dirty="0"/>
+          </a:p>
+          <a:p>
+            <a:r>
+              <a:rPr lang="en-US" dirty="0"/>
+              <a:t>hard to work with manually</a:t>
+            </a:r>
+          </a:p>
+          <a:p>
+            <a:endParaRPr lang="en-US" dirty="0"/>
+          </a:p>
+          <a:p>
+            <a:r>
+              <a:rPr lang="en-US" dirty="0"/>
+              <a:t>complex to transform to/from</a:t>
+            </a:r>
+          </a:p>
+          <a:p>
+            <a:endParaRPr lang="en-US" dirty="0"/>
+          </a:p>
+          <a:p>
+            <a:r>
+              <a:rPr lang="en-US" dirty="0"/>
+              <a:t>state of the art in ahead-of-time compilers (such as LLVM), little use in JITs</a:t>
+            </a:r>
+          </a:p>
+          <a:p>
+            <a:endParaRPr lang="en-US" dirty="0"/>
+          </a:p>
+        </p:txBody>
+      </p:sp>
+    </p:spTree>
+    <p:extLst>
+      <p:ext uri="{BB962C8B-B14F-4D97-AF65-F5344CB8AC3E}">
+        <p14:creationId xmlns:p14="http://schemas.microsoft.com/office/powerpoint/2010/main" val="1248206023"/>
+      </p:ext>
+    </p:extLst>
+  </p:cSld>
+  <p:clrMapOvr>
+    <a:masterClrMapping/>
+  </p:clrMapOvr>
+  <mc:AlternateContent xmlns:mc="http://schemas.openxmlformats.org/markup-compatibility/2006" xmlns:p159="http://schemas.microsoft.com/office/powerpoint/2015/09/main">
+    <mc:Choice Requires="p159">
+      <p:transition xmlns:p14="http://schemas.microsoft.com/office/powerpoint/2010/main" spd="slow" p14:dur="2000">
+        <p159:morph option="byObject"/>
+      </p:transition>
+    </mc:Choice>
+    <mc:Fallback xmlns="">
+      <p:transition spd="slow">
+        <p:fade/>
+      </p:transition>
+    </mc:Fallback>
+  </mc:AlternateContent>
+</p:sld>
+</file>
+
 <file path=ppt/slides/slide48.xml><?xml version="1.0" encoding="utf-8"?>
 <p:sld xmlns:a="http://schemas.openxmlformats.org/drawingml/2006/main" xmlns:r="http://schemas.openxmlformats.org/officeDocument/2006/relationships" xmlns:p="http://schemas.openxmlformats.org/presentationml/2006/main">
   <p:cSld>
@@ -18511,7 +18487,7 @@
           <p:cNvPr id="2" name="Title 1">
             <a:extLst>
               <a:ext uri="{FF2B5EF4-FFF2-40B4-BE49-F238E27FC236}">
-                <a16:creationId xmlns:a16="http://schemas.microsoft.com/office/drawing/2014/main" id="{89A5F61F-8022-4D3C-802D-DEF494BFF2A4}"/>
+                <a16:creationId xmlns:a16="http://schemas.microsoft.com/office/drawing/2014/main" id="{90509235-AA03-4043-8727-509D8B2BDCCA}"/>
               </a:ext>
             </a:extLst>
           </p:cNvPr>
@@ -18529,7 +18505,7 @@
           <a:p>
             <a:r>
               <a:rPr lang="en-US" dirty="0"/>
-              <a:t>Swap Problem</a:t>
+              <a:t>Sea Of Nodes</a:t>
             </a:r>
           </a:p>
         </p:txBody>
@@ -18539,7 +18515,7 @@
           <p:cNvPr id="3" name="Content Placeholder 2">
             <a:extLst>
               <a:ext uri="{FF2B5EF4-FFF2-40B4-BE49-F238E27FC236}">
-                <a16:creationId xmlns:a16="http://schemas.microsoft.com/office/drawing/2014/main" id="{50A0A14B-47F0-4F14-AD0F-A6A21C79774E}"/>
+                <a16:creationId xmlns:a16="http://schemas.microsoft.com/office/drawing/2014/main" id="{E2040F3D-1C07-4328-87F7-3E8750169334}"/>
               </a:ext>
             </a:extLst>
           </p:cNvPr>
@@ -18555,12 +18531,26 @@
           <a:bodyPr/>
           <a:lstStyle/>
           <a:p>
+            <a:r>
+              <a:rPr lang="en-US" dirty="0"/>
+              <a:t>designed by Cliff Click, first used in Java </a:t>
+            </a:r>
+            <a:r>
+              <a:rPr lang="en-US" dirty="0" err="1"/>
+              <a:t>HotSpot</a:t>
+            </a:r>
+            <a:r>
+              <a:rPr lang="en-US" dirty="0"/>
+              <a:t> compiler</a:t>
+            </a:r>
+          </a:p>
+          <a:p>
             <a:endParaRPr lang="en-US" dirty="0"/>
           </a:p>
           <a:p>
             <a:r>
               <a:rPr lang="en-US" dirty="0"/>
-              <a:t>multiple phi nodes “execute” all in parallel</a:t>
+              <a:t>memory efficient representation combining IR, CFG and DDG in a single graph</a:t>
             </a:r>
           </a:p>
           <a:p>
@@ -18569,7 +18559,72 @@
           <a:p>
             <a:r>
               <a:rPr lang="en-US" dirty="0"/>
-              <a:t>placing copies means sequential execution, which may cause problems</a:t>
+              <a:t>facilitates late instruction scheduling and code movement</a:t>
+            </a:r>
+          </a:p>
+          <a:p>
+            <a:endParaRPr lang="en-US" dirty="0"/>
+          </a:p>
+          <a:p>
+            <a:r>
+              <a:rPr lang="en-US" dirty="0"/>
+              <a:t>used in </a:t>
+            </a:r>
+            <a:r>
+              <a:rPr lang="en-US" dirty="0" err="1"/>
+              <a:t>HotSpot</a:t>
+            </a:r>
+            <a:r>
+              <a:rPr lang="en-US" dirty="0"/>
+              <a:t>/</a:t>
+            </a:r>
+            <a:r>
+              <a:rPr lang="en-US" dirty="0" err="1"/>
+              <a:t>Graal</a:t>
+            </a:r>
+            <a:endParaRPr lang="en-US" dirty="0"/>
+          </a:p>
+          <a:p>
+            <a:endParaRPr lang="en-US" dirty="0"/>
+          </a:p>
+        </p:txBody>
+      </p:sp>
+      <p:sp>
+        <p:nvSpPr>
+          <p:cNvPr id="4" name="TextBox 3">
+            <a:extLst>
+              <a:ext uri="{FF2B5EF4-FFF2-40B4-BE49-F238E27FC236}">
+                <a16:creationId xmlns:a16="http://schemas.microsoft.com/office/drawing/2014/main" id="{BF120D39-9F48-41D1-9734-8FBDAA7D350E}"/>
+              </a:ext>
+            </a:extLst>
+          </p:cNvPr>
+          <p:cNvSpPr txBox="1"/>
+          <p:nvPr/>
+        </p:nvSpPr>
+        <p:spPr>
+          <a:xfrm>
+            <a:off x="4133384" y="6138932"/>
+            <a:ext cx="8058616" cy="707886"/>
+          </a:xfrm>
+          <a:prstGeom prst="rect">
+            <a:avLst/>
+          </a:prstGeom>
+          <a:noFill/>
+        </p:spPr>
+        <p:txBody>
+          <a:bodyPr wrap="none" rtlCol="0">
+            <a:spAutoFit/>
+          </a:bodyPr>
+          <a:lstStyle/>
+          <a:p>
+            <a:r>
+              <a:rPr lang="en-US" sz="4000" b="1" dirty="0">
+                <a:solidFill>
+                  <a:srgbClr val="FF0000"/>
+                </a:solidFill>
+                <a:latin typeface="Bradley Hand ITC" panose="03070402050302030203" pitchFamily="66" charset="0"/>
+              </a:rPr>
+              <a:t>more about Sea of Nodes later in JITs</a:t>
             </a:r>
           </a:p>
         </p:txBody>
@@ -18577,7 +18632,7 @@
     </p:spTree>
     <p:extLst>
       <p:ext uri="{BB962C8B-B14F-4D97-AF65-F5344CB8AC3E}">
-        <p14:creationId xmlns:p14="http://schemas.microsoft.com/office/powerpoint/2010/main" val="3957107378"/>
+        <p14:creationId xmlns:p14="http://schemas.microsoft.com/office/powerpoint/2010/main" val="1125202830"/>
       </p:ext>
     </p:extLst>
   </p:cSld>
@@ -18621,7 +18676,7 @@
           <p:cNvPr id="2" name="Title 1">
             <a:extLst>
               <a:ext uri="{FF2B5EF4-FFF2-40B4-BE49-F238E27FC236}">
-                <a16:creationId xmlns:a16="http://schemas.microsoft.com/office/drawing/2014/main" id="{4BF53CC8-2C56-44C7-A6E3-B5D3CE7CD62A}"/>
+                <a16:creationId xmlns:a16="http://schemas.microsoft.com/office/drawing/2014/main" id="{2A996227-9295-442A-B0B9-97B72CF7C1CD}"/>
               </a:ext>
             </a:extLst>
           </p:cNvPr>
@@ -18639,7 +18694,7 @@
           <a:p>
             <a:r>
               <a:rPr lang="en-US" dirty="0"/>
-              <a:t>SSA </a:t>
+              <a:t>Non-Imperative Languages</a:t>
             </a:r>
           </a:p>
         </p:txBody>
@@ -18649,7 +18704,7 @@
           <p:cNvPr id="3" name="Content Placeholder 2">
             <a:extLst>
               <a:ext uri="{FF2B5EF4-FFF2-40B4-BE49-F238E27FC236}">
-                <a16:creationId xmlns:a16="http://schemas.microsoft.com/office/drawing/2014/main" id="{6BD5349C-32B0-4ECC-A7F6-4E718F7544E9}"/>
+                <a16:creationId xmlns:a16="http://schemas.microsoft.com/office/drawing/2014/main" id="{970D18E5-CC3D-4C4F-9A83-F3778186397C}"/>
               </a:ext>
             </a:extLst>
           </p:cNvPr>
@@ -18667,45 +18722,96 @@
           <a:p>
             <a:r>
               <a:rPr lang="en-US" dirty="0"/>
-              <a:t>powerful representation with huge benefits for optimizing compilers</a:t>
-            </a:r>
-          </a:p>
-          <a:p>
+              <a:t>Continuation Passing Style</a:t>
+            </a:r>
+          </a:p>
+          <a:p>
+            <a:pPr lvl="1"/>
+            <a:r>
+              <a:rPr lang="en-US" dirty="0"/>
+              <a:t>each function gets extra argument which is f(x) that provides the code to be executed with the result of the function, a continuation</a:t>
+            </a:r>
+          </a:p>
+          <a:p>
+            <a:pPr lvl="1"/>
+            <a:r>
+              <a:rPr lang="en-US" dirty="0"/>
+              <a:t>similar properties to SSA, including being hard to work with</a:t>
+            </a:r>
+          </a:p>
+          <a:p>
+            <a:pPr lvl="1"/>
             <a:endParaRPr lang="en-US" dirty="0"/>
           </a:p>
           <a:p>
             <a:r>
               <a:rPr lang="en-US" dirty="0"/>
-              <a:t>hard to work with manually</a:t>
+              <a:t>ANF (A-Normal Form)</a:t>
+            </a:r>
+          </a:p>
+          <a:p>
+            <a:pPr lvl="1"/>
+            <a:r>
+              <a:rPr lang="en-US" dirty="0"/>
+              <a:t>all arguments to function calls must be trivial (i.e. constants, or let-bound variables)</a:t>
+            </a:r>
+          </a:p>
+          <a:p>
+            <a:pPr lvl="1"/>
+            <a:r>
+              <a:rPr lang="en-US" dirty="0"/>
+              <a:t>simplifies many operations, not as complex as CPS</a:t>
             </a:r>
           </a:p>
           <a:p>
             <a:endParaRPr lang="en-US" dirty="0"/>
           </a:p>
-          <a:p>
-            <a:r>
-              <a:rPr lang="en-US" dirty="0"/>
-              <a:t>complex to transform to/from</a:t>
-            </a:r>
-          </a:p>
-          <a:p>
-            <a:endParaRPr lang="en-US" dirty="0"/>
-          </a:p>
-          <a:p>
-            <a:r>
-              <a:rPr lang="en-US" dirty="0"/>
-              <a:t>state of the art in ahead-of-time compilers (such as LLVM), little use in JITs</a:t>
-            </a:r>
-          </a:p>
-          <a:p>
-            <a:endParaRPr lang="en-US" dirty="0"/>
+        </p:txBody>
+      </p:sp>
+      <p:sp>
+        <p:nvSpPr>
+          <p:cNvPr id="4" name="TextBox 3">
+            <a:extLst>
+              <a:ext uri="{FF2B5EF4-FFF2-40B4-BE49-F238E27FC236}">
+                <a16:creationId xmlns:a16="http://schemas.microsoft.com/office/drawing/2014/main" id="{50C514F6-8514-43C6-9C7B-4D2D0C352F89}"/>
+              </a:ext>
+            </a:extLst>
+          </p:cNvPr>
+          <p:cNvSpPr txBox="1"/>
+          <p:nvPr/>
+        </p:nvSpPr>
+        <p:spPr>
+          <a:xfrm>
+            <a:off x="9551503" y="5957957"/>
+            <a:ext cx="2459328" cy="707886"/>
+          </a:xfrm>
+          <a:prstGeom prst="rect">
+            <a:avLst/>
+          </a:prstGeom>
+          <a:noFill/>
+        </p:spPr>
+        <p:txBody>
+          <a:bodyPr wrap="none" rtlCol="0">
+            <a:spAutoFit/>
+          </a:bodyPr>
+          <a:lstStyle/>
+          <a:p>
+            <a:r>
+              <a:rPr lang="en-US" sz="4000" b="1" dirty="0">
+                <a:solidFill>
+                  <a:srgbClr val="FF0000"/>
+                </a:solidFill>
+                <a:latin typeface="Bradley Hand ITC" panose="03070402050302030203" pitchFamily="66" charset="0"/>
+              </a:rPr>
+              <a:t>see NI-MPJ</a:t>
+            </a:r>
           </a:p>
         </p:txBody>
       </p:sp>
     </p:spTree>
     <p:extLst>
       <p:ext uri="{BB962C8B-B14F-4D97-AF65-F5344CB8AC3E}">
-        <p14:creationId xmlns:p14="http://schemas.microsoft.com/office/powerpoint/2010/main" val="1248206023"/>
+        <p14:creationId xmlns:p14="http://schemas.microsoft.com/office/powerpoint/2010/main" val="126201540"/>
       </p:ext>
     </p:extLst>
   </p:cSld>
@@ -18906,374 +19012,6 @@
 </file>
 
 <file path=ppt/slides/slide50.xml><?xml version="1.0" encoding="utf-8"?>
-<p:sld xmlns:a="http://schemas.openxmlformats.org/drawingml/2006/main" xmlns:r="http://schemas.openxmlformats.org/officeDocument/2006/relationships" xmlns:p="http://schemas.openxmlformats.org/presentationml/2006/main">
-  <p:cSld>
-    <p:spTree>
-      <p:nvGrpSpPr>
-        <p:cNvPr id="1" name=""/>
-        <p:cNvGrpSpPr/>
-        <p:nvPr/>
-      </p:nvGrpSpPr>
-      <p:grpSpPr>
-        <a:xfrm>
-          <a:off x="0" y="0"/>
-          <a:ext cx="0" cy="0"/>
-          <a:chOff x="0" y="0"/>
-          <a:chExt cx="0" cy="0"/>
-        </a:xfrm>
-      </p:grpSpPr>
-      <p:sp>
-        <p:nvSpPr>
-          <p:cNvPr id="2" name="Title 1">
-            <a:extLst>
-              <a:ext uri="{FF2B5EF4-FFF2-40B4-BE49-F238E27FC236}">
-                <a16:creationId xmlns:a16="http://schemas.microsoft.com/office/drawing/2014/main" id="{90509235-AA03-4043-8727-509D8B2BDCCA}"/>
-              </a:ext>
-            </a:extLst>
-          </p:cNvPr>
-          <p:cNvSpPr>
-            <a:spLocks noGrp="1"/>
-          </p:cNvSpPr>
-          <p:nvPr>
-            <p:ph type="title"/>
-          </p:nvPr>
-        </p:nvSpPr>
-        <p:spPr/>
-        <p:txBody>
-          <a:bodyPr/>
-          <a:lstStyle/>
-          <a:p>
-            <a:r>
-              <a:rPr lang="en-US" dirty="0"/>
-              <a:t>Sea Of Nodes</a:t>
-            </a:r>
-          </a:p>
-        </p:txBody>
-      </p:sp>
-      <p:sp>
-        <p:nvSpPr>
-          <p:cNvPr id="3" name="Content Placeholder 2">
-            <a:extLst>
-              <a:ext uri="{FF2B5EF4-FFF2-40B4-BE49-F238E27FC236}">
-                <a16:creationId xmlns:a16="http://schemas.microsoft.com/office/drawing/2014/main" id="{E2040F3D-1C07-4328-87F7-3E8750169334}"/>
-              </a:ext>
-            </a:extLst>
-          </p:cNvPr>
-          <p:cNvSpPr>
-            <a:spLocks noGrp="1"/>
-          </p:cNvSpPr>
-          <p:nvPr>
-            <p:ph idx="1"/>
-          </p:nvPr>
-        </p:nvSpPr>
-        <p:spPr/>
-        <p:txBody>
-          <a:bodyPr/>
-          <a:lstStyle/>
-          <a:p>
-            <a:r>
-              <a:rPr lang="en-US" dirty="0"/>
-              <a:t>designed by Cliff Click, first used in Java </a:t>
-            </a:r>
-            <a:r>
-              <a:rPr lang="en-US" dirty="0" err="1"/>
-              <a:t>HotSpot</a:t>
-            </a:r>
-            <a:r>
-              <a:rPr lang="en-US" dirty="0"/>
-              <a:t> compiler</a:t>
-            </a:r>
-          </a:p>
-          <a:p>
-            <a:endParaRPr lang="en-US" dirty="0"/>
-          </a:p>
-          <a:p>
-            <a:r>
-              <a:rPr lang="en-US" dirty="0"/>
-              <a:t>memory efficient representation combining IR, CFG and DDG in a single graph</a:t>
-            </a:r>
-          </a:p>
-          <a:p>
-            <a:endParaRPr lang="en-US" dirty="0"/>
-          </a:p>
-          <a:p>
-            <a:r>
-              <a:rPr lang="en-US" dirty="0"/>
-              <a:t>facilitates late instruction scheduling and code movement</a:t>
-            </a:r>
-          </a:p>
-          <a:p>
-            <a:endParaRPr lang="en-US" dirty="0"/>
-          </a:p>
-          <a:p>
-            <a:r>
-              <a:rPr lang="en-US" dirty="0"/>
-              <a:t>used in </a:t>
-            </a:r>
-            <a:r>
-              <a:rPr lang="en-US" dirty="0" err="1"/>
-              <a:t>HotSpot</a:t>
-            </a:r>
-            <a:r>
-              <a:rPr lang="en-US" dirty="0"/>
-              <a:t>/</a:t>
-            </a:r>
-            <a:r>
-              <a:rPr lang="en-US" dirty="0" err="1"/>
-              <a:t>Graal</a:t>
-            </a:r>
-            <a:endParaRPr lang="en-US" dirty="0"/>
-          </a:p>
-          <a:p>
-            <a:endParaRPr lang="en-US" dirty="0"/>
-          </a:p>
-        </p:txBody>
-      </p:sp>
-      <p:sp>
-        <p:nvSpPr>
-          <p:cNvPr id="4" name="TextBox 3">
-            <a:extLst>
-              <a:ext uri="{FF2B5EF4-FFF2-40B4-BE49-F238E27FC236}">
-                <a16:creationId xmlns:a16="http://schemas.microsoft.com/office/drawing/2014/main" id="{BF120D39-9F48-41D1-9734-8FBDAA7D350E}"/>
-              </a:ext>
-            </a:extLst>
-          </p:cNvPr>
-          <p:cNvSpPr txBox="1"/>
-          <p:nvPr/>
-        </p:nvSpPr>
-        <p:spPr>
-          <a:xfrm>
-            <a:off x="4133384" y="6138932"/>
-            <a:ext cx="8058616" cy="707886"/>
-          </a:xfrm>
-          <a:prstGeom prst="rect">
-            <a:avLst/>
-          </a:prstGeom>
-          <a:noFill/>
-        </p:spPr>
-        <p:txBody>
-          <a:bodyPr wrap="none" rtlCol="0">
-            <a:spAutoFit/>
-          </a:bodyPr>
-          <a:lstStyle/>
-          <a:p>
-            <a:r>
-              <a:rPr lang="en-US" sz="4000" b="1" dirty="0">
-                <a:solidFill>
-                  <a:srgbClr val="FF0000"/>
-                </a:solidFill>
-                <a:latin typeface="Bradley Hand ITC" panose="03070402050302030203" pitchFamily="66" charset="0"/>
-              </a:rPr>
-              <a:t>more about Sea of Nodes later in JITs</a:t>
-            </a:r>
-          </a:p>
-        </p:txBody>
-      </p:sp>
-    </p:spTree>
-    <p:extLst>
-      <p:ext uri="{BB962C8B-B14F-4D97-AF65-F5344CB8AC3E}">
-        <p14:creationId xmlns:p14="http://schemas.microsoft.com/office/powerpoint/2010/main" val="1125202830"/>
-      </p:ext>
-    </p:extLst>
-  </p:cSld>
-  <p:clrMapOvr>
-    <a:masterClrMapping/>
-  </p:clrMapOvr>
-  <mc:AlternateContent xmlns:mc="http://schemas.openxmlformats.org/markup-compatibility/2006" xmlns:p159="http://schemas.microsoft.com/office/powerpoint/2015/09/main">
-    <mc:Choice Requires="p159">
-      <p:transition xmlns:p14="http://schemas.microsoft.com/office/powerpoint/2010/main" spd="slow" p14:dur="2000">
-        <p159:morph option="byObject"/>
-      </p:transition>
-    </mc:Choice>
-    <mc:Fallback xmlns="">
-      <p:transition spd="slow">
-        <p:fade/>
-      </p:transition>
-    </mc:Fallback>
-  </mc:AlternateContent>
-</p:sld>
-</file>
-
-<file path=ppt/slides/slide51.xml><?xml version="1.0" encoding="utf-8"?>
-<p:sld xmlns:a="http://schemas.openxmlformats.org/drawingml/2006/main" xmlns:r="http://schemas.openxmlformats.org/officeDocument/2006/relationships" xmlns:p="http://schemas.openxmlformats.org/presentationml/2006/main">
-  <p:cSld>
-    <p:spTree>
-      <p:nvGrpSpPr>
-        <p:cNvPr id="1" name=""/>
-        <p:cNvGrpSpPr/>
-        <p:nvPr/>
-      </p:nvGrpSpPr>
-      <p:grpSpPr>
-        <a:xfrm>
-          <a:off x="0" y="0"/>
-          <a:ext cx="0" cy="0"/>
-          <a:chOff x="0" y="0"/>
-          <a:chExt cx="0" cy="0"/>
-        </a:xfrm>
-      </p:grpSpPr>
-      <p:sp>
-        <p:nvSpPr>
-          <p:cNvPr id="2" name="Title 1">
-            <a:extLst>
-              <a:ext uri="{FF2B5EF4-FFF2-40B4-BE49-F238E27FC236}">
-                <a16:creationId xmlns:a16="http://schemas.microsoft.com/office/drawing/2014/main" id="{2A996227-9295-442A-B0B9-97B72CF7C1CD}"/>
-              </a:ext>
-            </a:extLst>
-          </p:cNvPr>
-          <p:cNvSpPr>
-            <a:spLocks noGrp="1"/>
-          </p:cNvSpPr>
-          <p:nvPr>
-            <p:ph type="title"/>
-          </p:nvPr>
-        </p:nvSpPr>
-        <p:spPr/>
-        <p:txBody>
-          <a:bodyPr/>
-          <a:lstStyle/>
-          <a:p>
-            <a:r>
-              <a:rPr lang="en-US" dirty="0"/>
-              <a:t>Non-Imperative Languages</a:t>
-            </a:r>
-          </a:p>
-        </p:txBody>
-      </p:sp>
-      <p:sp>
-        <p:nvSpPr>
-          <p:cNvPr id="3" name="Content Placeholder 2">
-            <a:extLst>
-              <a:ext uri="{FF2B5EF4-FFF2-40B4-BE49-F238E27FC236}">
-                <a16:creationId xmlns:a16="http://schemas.microsoft.com/office/drawing/2014/main" id="{970D18E5-CC3D-4C4F-9A83-F3778186397C}"/>
-              </a:ext>
-            </a:extLst>
-          </p:cNvPr>
-          <p:cNvSpPr>
-            <a:spLocks noGrp="1"/>
-          </p:cNvSpPr>
-          <p:nvPr>
-            <p:ph idx="1"/>
-          </p:nvPr>
-        </p:nvSpPr>
-        <p:spPr/>
-        <p:txBody>
-          <a:bodyPr/>
-          <a:lstStyle/>
-          <a:p>
-            <a:r>
-              <a:rPr lang="en-US" dirty="0"/>
-              <a:t>Continuation Passing Style</a:t>
-            </a:r>
-          </a:p>
-          <a:p>
-            <a:pPr lvl="1"/>
-            <a:r>
-              <a:rPr lang="en-US" dirty="0"/>
-              <a:t>each function gets extra argument which is f(x) that provides the code to be executed with the result of the function, a continuation</a:t>
-            </a:r>
-          </a:p>
-          <a:p>
-            <a:pPr lvl="1"/>
-            <a:r>
-              <a:rPr lang="en-US" dirty="0"/>
-              <a:t>similar properties to SSA, including being hard to work with</a:t>
-            </a:r>
-          </a:p>
-          <a:p>
-            <a:pPr lvl="1"/>
-            <a:endParaRPr lang="en-US" dirty="0"/>
-          </a:p>
-          <a:p>
-            <a:r>
-              <a:rPr lang="en-US" dirty="0"/>
-              <a:t>ANF (A-Normal Form)</a:t>
-            </a:r>
-          </a:p>
-          <a:p>
-            <a:pPr lvl="1"/>
-            <a:r>
-              <a:rPr lang="en-US" dirty="0"/>
-              <a:t>all arguments to function calls must be trivial (i.e. constants, or let-bound variables)</a:t>
-            </a:r>
-          </a:p>
-          <a:p>
-            <a:pPr lvl="1"/>
-            <a:r>
-              <a:rPr lang="en-US" dirty="0"/>
-              <a:t>simplifies many operations, not as complex as CPS</a:t>
-            </a:r>
-          </a:p>
-          <a:p>
-            <a:endParaRPr lang="en-US" dirty="0"/>
-          </a:p>
-        </p:txBody>
-      </p:sp>
-      <p:sp>
-        <p:nvSpPr>
-          <p:cNvPr id="4" name="TextBox 3">
-            <a:extLst>
-              <a:ext uri="{FF2B5EF4-FFF2-40B4-BE49-F238E27FC236}">
-                <a16:creationId xmlns:a16="http://schemas.microsoft.com/office/drawing/2014/main" id="{50C514F6-8514-43C6-9C7B-4D2D0C352F89}"/>
-              </a:ext>
-            </a:extLst>
-          </p:cNvPr>
-          <p:cNvSpPr txBox="1"/>
-          <p:nvPr/>
-        </p:nvSpPr>
-        <p:spPr>
-          <a:xfrm>
-            <a:off x="9551503" y="5957957"/>
-            <a:ext cx="2459328" cy="707886"/>
-          </a:xfrm>
-          <a:prstGeom prst="rect">
-            <a:avLst/>
-          </a:prstGeom>
-          <a:noFill/>
-        </p:spPr>
-        <p:txBody>
-          <a:bodyPr wrap="none" rtlCol="0">
-            <a:spAutoFit/>
-          </a:bodyPr>
-          <a:lstStyle/>
-          <a:p>
-            <a:r>
-              <a:rPr lang="en-US" sz="4000" b="1" dirty="0">
-                <a:solidFill>
-                  <a:srgbClr val="FF0000"/>
-                </a:solidFill>
-                <a:latin typeface="Bradley Hand ITC" panose="03070402050302030203" pitchFamily="66" charset="0"/>
-              </a:rPr>
-              <a:t>see NI-MPJ</a:t>
-            </a:r>
-          </a:p>
-        </p:txBody>
-      </p:sp>
-    </p:spTree>
-    <p:extLst>
-      <p:ext uri="{BB962C8B-B14F-4D97-AF65-F5344CB8AC3E}">
-        <p14:creationId xmlns:p14="http://schemas.microsoft.com/office/powerpoint/2010/main" val="126201540"/>
-      </p:ext>
-    </p:extLst>
-  </p:cSld>
-  <p:clrMapOvr>
-    <a:masterClrMapping/>
-  </p:clrMapOvr>
-  <mc:AlternateContent xmlns:mc="http://schemas.openxmlformats.org/markup-compatibility/2006" xmlns:p159="http://schemas.microsoft.com/office/powerpoint/2015/09/main">
-    <mc:Choice Requires="p159">
-      <p:transition xmlns:p14="http://schemas.microsoft.com/office/powerpoint/2010/main" spd="slow" p14:dur="2000">
-        <p159:morph option="byObject"/>
-      </p:transition>
-    </mc:Choice>
-    <mc:Fallback xmlns="">
-      <p:transition spd="slow">
-        <p:fade/>
-      </p:transition>
-    </mc:Fallback>
-  </mc:AlternateContent>
-</p:sld>
-</file>
-
-<file path=ppt/slides/slide52.xml><?xml version="1.0" encoding="utf-8"?>
 <p:sld xmlns:a="http://schemas.openxmlformats.org/drawingml/2006/main" xmlns:r="http://schemas.openxmlformats.org/officeDocument/2006/relationships" xmlns:p="http://schemas.openxmlformats.org/presentationml/2006/main">
   <p:cSld>
     <p:spTree>
